--- a/cheat-sheets/code-window.pptx
+++ b/cheat-sheets/code-window.pptx
@@ -113,6 +113,11 @@
       </a:defRPr>
     </a:lvl9pPr>
   </p:defaultTextStyle>
+  <p:extLst>
+    <p:ext uri="{EFAFB233-063F-42B5-8137-9DF3F51BA10A}">
+      <p15:sldGuideLst xmlns:p15="http://schemas.microsoft.com/office/powerpoint/2012/main"/>
+    </p:ext>
+  </p:extLst>
 </p:presentation>
 </file>
 
@@ -247,7 +252,7 @@
           <a:p>
             <a:fld id="{3C5A54A6-ED32-0943-953D-0D168138FBE4}" type="datetimeFigureOut">
               <a:rPr lang="en-US" smtClean="0"/>
-              <a:t>3/15/24</a:t>
+              <a:t>3/26/24</a:t>
             </a:fld>
             <a:endParaRPr lang="en-US"/>
           </a:p>
@@ -417,7 +422,7 @@
           <a:p>
             <a:fld id="{3C5A54A6-ED32-0943-953D-0D168138FBE4}" type="datetimeFigureOut">
               <a:rPr lang="en-US" smtClean="0"/>
-              <a:t>3/15/24</a:t>
+              <a:t>3/26/24</a:t>
             </a:fld>
             <a:endParaRPr lang="en-US"/>
           </a:p>
@@ -597,7 +602,7 @@
           <a:p>
             <a:fld id="{3C5A54A6-ED32-0943-953D-0D168138FBE4}" type="datetimeFigureOut">
               <a:rPr lang="en-US" smtClean="0"/>
-              <a:t>3/15/24</a:t>
+              <a:t>3/26/24</a:t>
             </a:fld>
             <a:endParaRPr lang="en-US"/>
           </a:p>
@@ -767,7 +772,7 @@
           <a:p>
             <a:fld id="{3C5A54A6-ED32-0943-953D-0D168138FBE4}" type="datetimeFigureOut">
               <a:rPr lang="en-US" smtClean="0"/>
-              <a:t>3/15/24</a:t>
+              <a:t>3/26/24</a:t>
             </a:fld>
             <a:endParaRPr lang="en-US"/>
           </a:p>
@@ -1011,7 +1016,7 @@
           <a:p>
             <a:fld id="{3C5A54A6-ED32-0943-953D-0D168138FBE4}" type="datetimeFigureOut">
               <a:rPr lang="en-US" smtClean="0"/>
-              <a:t>3/15/24</a:t>
+              <a:t>3/26/24</a:t>
             </a:fld>
             <a:endParaRPr lang="en-US"/>
           </a:p>
@@ -1243,7 +1248,7 @@
           <a:p>
             <a:fld id="{3C5A54A6-ED32-0943-953D-0D168138FBE4}" type="datetimeFigureOut">
               <a:rPr lang="en-US" smtClean="0"/>
-              <a:t>3/15/24</a:t>
+              <a:t>3/26/24</a:t>
             </a:fld>
             <a:endParaRPr lang="en-US"/>
           </a:p>
@@ -1610,7 +1615,7 @@
           <a:p>
             <a:fld id="{3C5A54A6-ED32-0943-953D-0D168138FBE4}" type="datetimeFigureOut">
               <a:rPr lang="en-US" smtClean="0"/>
-              <a:t>3/15/24</a:t>
+              <a:t>3/26/24</a:t>
             </a:fld>
             <a:endParaRPr lang="en-US"/>
           </a:p>
@@ -1728,7 +1733,7 @@
           <a:p>
             <a:fld id="{3C5A54A6-ED32-0943-953D-0D168138FBE4}" type="datetimeFigureOut">
               <a:rPr lang="en-US" smtClean="0"/>
-              <a:t>3/15/24</a:t>
+              <a:t>3/26/24</a:t>
             </a:fld>
             <a:endParaRPr lang="en-US"/>
           </a:p>
@@ -1823,7 +1828,7 @@
           <a:p>
             <a:fld id="{3C5A54A6-ED32-0943-953D-0D168138FBE4}" type="datetimeFigureOut">
               <a:rPr lang="en-US" smtClean="0"/>
-              <a:t>3/15/24</a:t>
+              <a:t>3/26/24</a:t>
             </a:fld>
             <a:endParaRPr lang="en-US"/>
           </a:p>
@@ -2100,7 +2105,7 @@
           <a:p>
             <a:fld id="{3C5A54A6-ED32-0943-953D-0D168138FBE4}" type="datetimeFigureOut">
               <a:rPr lang="en-US" smtClean="0"/>
-              <a:t>3/15/24</a:t>
+              <a:t>3/26/24</a:t>
             </a:fld>
             <a:endParaRPr lang="en-US"/>
           </a:p>
@@ -2357,7 +2362,7 @@
           <a:p>
             <a:fld id="{3C5A54A6-ED32-0943-953D-0D168138FBE4}" type="datetimeFigureOut">
               <a:rPr lang="en-US" smtClean="0"/>
-              <a:t>3/15/24</a:t>
+              <a:t>3/26/24</a:t>
             </a:fld>
             <a:endParaRPr lang="en-US"/>
           </a:p>
@@ -2570,7 +2575,7 @@
           <a:p>
             <a:fld id="{3C5A54A6-ED32-0943-953D-0D168138FBE4}" type="datetimeFigureOut">
               <a:rPr lang="en-US" smtClean="0"/>
-              <a:t>3/15/24</a:t>
+              <a:t>3/26/24</a:t>
             </a:fld>
             <a:endParaRPr lang="en-US"/>
           </a:p>
@@ -8486,7 +8491,7 @@
         </p:nvSpPr>
         <p:spPr>
           <a:xfrm>
-            <a:off x="4207307" y="886748"/>
+            <a:off x="4384672" y="1649477"/>
             <a:ext cx="939100" cy="370542"/>
           </a:xfrm>
           <a:prstGeom prst="rect">
@@ -8527,17 +8532,18 @@
           <p:cNvCxnSpPr>
             <a:cxnSpLocks/>
             <a:stCxn id="33" idx="3"/>
+            <a:endCxn id="9" idx="1"/>
           </p:cNvCxnSpPr>
           <p:nvPr/>
         </p:nvCxnSpPr>
         <p:spPr>
           <a:xfrm>
-            <a:off x="5146407" y="1072019"/>
-            <a:ext cx="1143175" cy="477816"/>
+            <a:off x="5323772" y="1834748"/>
+            <a:ext cx="1709696" cy="602588"/>
           </a:xfrm>
           <a:prstGeom prst="curvedConnector3">
             <a:avLst>
-              <a:gd name="adj1" fmla="val 50000"/>
+              <a:gd name="adj1" fmla="val 43781"/>
             </a:avLst>
           </a:prstGeom>
           <a:ln w="28575">
@@ -9901,6 +9907,98 @@
           </a:prstGeom>
         </p:spPr>
       </p:pic>
+      <p:sp>
+        <p:nvSpPr>
+          <p:cNvPr id="2" name="TextBox 1">
+            <a:extLst>
+              <a:ext uri="{FF2B5EF4-FFF2-40B4-BE49-F238E27FC236}">
+                <a16:creationId xmlns:a16="http://schemas.microsoft.com/office/drawing/2014/main" id="{2A65D75C-81F2-D6AE-862F-101CDE8CADC9}"/>
+              </a:ext>
+            </a:extLst>
+          </p:cNvPr>
+          <p:cNvSpPr txBox="1"/>
+          <p:nvPr/>
+        </p:nvSpPr>
+        <p:spPr>
+          <a:xfrm>
+            <a:off x="11498243" y="5111462"/>
+            <a:ext cx="939100" cy="370542"/>
+          </a:xfrm>
+          <a:prstGeom prst="rect">
+            <a:avLst/>
+          </a:prstGeom>
+          <a:noFill/>
+          <a:ln>
+            <a:noFill/>
+          </a:ln>
+        </p:spPr>
+        <p:txBody>
+          <a:bodyPr wrap="square" rtlCol="0">
+            <a:spAutoFit/>
+          </a:bodyPr>
+          <a:lstStyle/>
+          <a:p>
+            <a:r>
+              <a:rPr lang="en-US" b="1" dirty="0">
+                <a:solidFill>
+                  <a:srgbClr val="FF0000"/>
+                </a:solidFill>
+                <a:latin typeface="Bradley Hand" pitchFamily="2" charset="77"/>
+              </a:rPr>
+              <a:t>Default</a:t>
+            </a:r>
+          </a:p>
+        </p:txBody>
+      </p:sp>
+      <p:cxnSp>
+        <p:nvCxnSpPr>
+          <p:cNvPr id="3" name="Curved Connector 2">
+            <a:extLst>
+              <a:ext uri="{FF2B5EF4-FFF2-40B4-BE49-F238E27FC236}">
+                <a16:creationId xmlns:a16="http://schemas.microsoft.com/office/drawing/2014/main" id="{D63CD997-73CD-F131-27FB-7F0F07997BC9}"/>
+              </a:ext>
+            </a:extLst>
+          </p:cNvPr>
+          <p:cNvCxnSpPr>
+            <a:cxnSpLocks/>
+            <a:stCxn id="2" idx="1"/>
+            <a:endCxn id="89" idx="3"/>
+          </p:cNvCxnSpPr>
+          <p:nvPr/>
+        </p:nvCxnSpPr>
+        <p:spPr>
+          <a:xfrm rot="10800000" flipV="1">
+            <a:off x="10239909" y="5296732"/>
+            <a:ext cx="1258334" cy="439157"/>
+          </a:xfrm>
+          <a:prstGeom prst="curvedConnector3">
+            <a:avLst>
+              <a:gd name="adj1" fmla="val 34013"/>
+            </a:avLst>
+          </a:prstGeom>
+          <a:ln w="28575">
+            <a:solidFill>
+              <a:srgbClr val="FF0000"/>
+            </a:solidFill>
+            <a:headEnd type="none" w="med" len="med"/>
+            <a:tailEnd type="arrow" w="lg" len="lg"/>
+          </a:ln>
+        </p:spPr>
+        <p:style>
+          <a:lnRef idx="1">
+            <a:schemeClr val="accent1"/>
+          </a:lnRef>
+          <a:fillRef idx="0">
+            <a:schemeClr val="accent1"/>
+          </a:fillRef>
+          <a:effectRef idx="0">
+            <a:schemeClr val="accent1"/>
+          </a:effectRef>
+          <a:fontRef idx="minor">
+            <a:schemeClr val="tx1"/>
+          </a:fontRef>
+        </p:style>
+      </p:cxnSp>
     </p:spTree>
     <p:extLst>
       <p:ext uri="{BB962C8B-B14F-4D97-AF65-F5344CB8AC3E}">
@@ -12647,6 +12745,96 @@
           </p:txBody>
         </p:sp>
       </p:grpSp>
+      <p:sp>
+        <p:nvSpPr>
+          <p:cNvPr id="2" name="TextBox 1">
+            <a:extLst>
+              <a:ext uri="{FF2B5EF4-FFF2-40B4-BE49-F238E27FC236}">
+                <a16:creationId xmlns:a16="http://schemas.microsoft.com/office/drawing/2014/main" id="{8A52A9D0-920F-C346-C901-FD49D7F4C2BC}"/>
+              </a:ext>
+            </a:extLst>
+          </p:cNvPr>
+          <p:cNvSpPr txBox="1"/>
+          <p:nvPr/>
+        </p:nvSpPr>
+        <p:spPr>
+          <a:xfrm>
+            <a:off x="3620881" y="1466952"/>
+            <a:ext cx="939100" cy="370542"/>
+          </a:xfrm>
+          <a:prstGeom prst="rect">
+            <a:avLst/>
+          </a:prstGeom>
+          <a:noFill/>
+          <a:ln>
+            <a:noFill/>
+          </a:ln>
+        </p:spPr>
+        <p:txBody>
+          <a:bodyPr wrap="square" rtlCol="0">
+            <a:spAutoFit/>
+          </a:bodyPr>
+          <a:lstStyle/>
+          <a:p>
+            <a:r>
+              <a:rPr lang="en-US" b="1" dirty="0">
+                <a:solidFill>
+                  <a:srgbClr val="FF0000"/>
+                </a:solidFill>
+                <a:latin typeface="Bradley Hand" pitchFamily="2" charset="77"/>
+              </a:rPr>
+              <a:t>Default</a:t>
+            </a:r>
+          </a:p>
+        </p:txBody>
+      </p:sp>
+      <p:cxnSp>
+        <p:nvCxnSpPr>
+          <p:cNvPr id="3" name="Curved Connector 2">
+            <a:extLst>
+              <a:ext uri="{FF2B5EF4-FFF2-40B4-BE49-F238E27FC236}">
+                <a16:creationId xmlns:a16="http://schemas.microsoft.com/office/drawing/2014/main" id="{4ADE361F-C3DE-4321-A0DB-7AEACBDE6DBE}"/>
+              </a:ext>
+            </a:extLst>
+          </p:cNvPr>
+          <p:cNvCxnSpPr>
+            <a:cxnSpLocks/>
+            <a:stCxn id="2" idx="3"/>
+            <a:endCxn id="6" idx="2"/>
+          </p:cNvCxnSpPr>
+          <p:nvPr/>
+        </p:nvCxnSpPr>
+        <p:spPr>
+          <a:xfrm flipV="1">
+            <a:off x="4559981" y="780601"/>
+            <a:ext cx="484183" cy="871622"/>
+          </a:xfrm>
+          <a:prstGeom prst="curvedConnector2">
+            <a:avLst/>
+          </a:prstGeom>
+          <a:ln w="28575">
+            <a:solidFill>
+              <a:srgbClr val="FF0000"/>
+            </a:solidFill>
+            <a:headEnd type="none" w="med" len="med"/>
+            <a:tailEnd type="arrow" w="lg" len="lg"/>
+          </a:ln>
+        </p:spPr>
+        <p:style>
+          <a:lnRef idx="1">
+            <a:schemeClr val="accent1"/>
+          </a:lnRef>
+          <a:fillRef idx="0">
+            <a:schemeClr val="accent1"/>
+          </a:fillRef>
+          <a:effectRef idx="0">
+            <a:schemeClr val="accent1"/>
+          </a:effectRef>
+          <a:fontRef idx="minor">
+            <a:schemeClr val="tx1"/>
+          </a:fontRef>
+        </p:style>
+      </p:cxnSp>
     </p:spTree>
     <p:extLst>
       <p:ext uri="{BB962C8B-B14F-4D97-AF65-F5344CB8AC3E}">
@@ -15041,6 +15229,96 @@
           </p:txBody>
         </p:sp>
       </p:grpSp>
+      <p:sp>
+        <p:nvSpPr>
+          <p:cNvPr id="2" name="TextBox 1">
+            <a:extLst>
+              <a:ext uri="{FF2B5EF4-FFF2-40B4-BE49-F238E27FC236}">
+                <a16:creationId xmlns:a16="http://schemas.microsoft.com/office/drawing/2014/main" id="{94160932-241E-F65A-39F2-37AEEE6BDDF5}"/>
+              </a:ext>
+            </a:extLst>
+          </p:cNvPr>
+          <p:cNvSpPr txBox="1"/>
+          <p:nvPr/>
+        </p:nvSpPr>
+        <p:spPr>
+          <a:xfrm>
+            <a:off x="11212476" y="3213797"/>
+            <a:ext cx="939100" cy="370542"/>
+          </a:xfrm>
+          <a:prstGeom prst="rect">
+            <a:avLst/>
+          </a:prstGeom>
+          <a:noFill/>
+          <a:ln>
+            <a:noFill/>
+          </a:ln>
+        </p:spPr>
+        <p:txBody>
+          <a:bodyPr wrap="square" rtlCol="0">
+            <a:spAutoFit/>
+          </a:bodyPr>
+          <a:lstStyle/>
+          <a:p>
+            <a:r>
+              <a:rPr lang="en-US" b="1" dirty="0">
+                <a:solidFill>
+                  <a:srgbClr val="FF0000"/>
+                </a:solidFill>
+                <a:latin typeface="Bradley Hand" pitchFamily="2" charset="77"/>
+              </a:rPr>
+              <a:t>Default</a:t>
+            </a:r>
+          </a:p>
+        </p:txBody>
+      </p:sp>
+      <p:cxnSp>
+        <p:nvCxnSpPr>
+          <p:cNvPr id="3" name="Curved Connector 2">
+            <a:extLst>
+              <a:ext uri="{FF2B5EF4-FFF2-40B4-BE49-F238E27FC236}">
+                <a16:creationId xmlns:a16="http://schemas.microsoft.com/office/drawing/2014/main" id="{ADABE97F-C34E-C08E-00D4-A170DFDC71DE}"/>
+              </a:ext>
+            </a:extLst>
+          </p:cNvPr>
+          <p:cNvCxnSpPr>
+            <a:cxnSpLocks/>
+            <a:stCxn id="2" idx="1"/>
+            <a:endCxn id="56" idx="2"/>
+          </p:cNvCxnSpPr>
+          <p:nvPr/>
+        </p:nvCxnSpPr>
+        <p:spPr>
+          <a:xfrm rot="10800000">
+            <a:off x="10345502" y="2225284"/>
+            <a:ext cx="866974" cy="1173784"/>
+          </a:xfrm>
+          <a:prstGeom prst="curvedConnector2">
+            <a:avLst/>
+          </a:prstGeom>
+          <a:ln w="28575">
+            <a:solidFill>
+              <a:srgbClr val="FF0000"/>
+            </a:solidFill>
+            <a:headEnd type="none" w="med" len="med"/>
+            <a:tailEnd type="arrow" w="lg" len="lg"/>
+          </a:ln>
+        </p:spPr>
+        <p:style>
+          <a:lnRef idx="1">
+            <a:schemeClr val="accent1"/>
+          </a:lnRef>
+          <a:fillRef idx="0">
+            <a:schemeClr val="accent1"/>
+          </a:fillRef>
+          <a:effectRef idx="0">
+            <a:schemeClr val="accent1"/>
+          </a:effectRef>
+          <a:fontRef idx="minor">
+            <a:schemeClr val="tx1"/>
+          </a:fontRef>
+        </p:style>
+      </p:cxnSp>
     </p:spTree>
     <p:extLst>
       <p:ext uri="{BB962C8B-B14F-4D97-AF65-F5344CB8AC3E}">

--- a/cheat-sheets/code-window.pptx
+++ b/cheat-sheets/code-window.pptx
@@ -7761,7 +7761,7 @@
         </p:nvGrpSpPr>
         <p:grpSpPr>
           <a:xfrm>
-            <a:off x="1468948" y="2393331"/>
+            <a:off x="2071342" y="2483665"/>
             <a:ext cx="3084228" cy="607557"/>
             <a:chOff x="2110072" y="1918769"/>
             <a:chExt cx="4572000" cy="900631"/>
@@ -8491,7 +8491,7 @@
         </p:nvSpPr>
         <p:spPr>
           <a:xfrm>
-            <a:off x="4384672" y="1649477"/>
+            <a:off x="10834524" y="1358171"/>
             <a:ext cx="939100" cy="370542"/>
           </a:xfrm>
           <a:prstGeom prst="rect">
@@ -8531,20 +8531,18 @@
           </p:cNvPr>
           <p:cNvCxnSpPr>
             <a:cxnSpLocks/>
-            <a:stCxn id="33" idx="3"/>
-            <a:endCxn id="9" idx="1"/>
+            <a:stCxn id="33" idx="2"/>
+            <a:endCxn id="9" idx="3"/>
           </p:cNvCxnSpPr>
           <p:nvPr/>
         </p:nvCxnSpPr>
         <p:spPr>
-          <a:xfrm>
-            <a:off x="5323772" y="1834748"/>
-            <a:ext cx="1709696" cy="602588"/>
+          <a:xfrm rot="5400000">
+            <a:off x="10356574" y="1489835"/>
+            <a:ext cx="708623" cy="1186378"/>
           </a:xfrm>
-          <a:prstGeom prst="curvedConnector3">
-            <a:avLst>
-              <a:gd name="adj1" fmla="val 43781"/>
-            </a:avLst>
+          <a:prstGeom prst="curvedConnector2">
+            <a:avLst/>
           </a:prstGeom>
           <a:ln w="28575">
             <a:solidFill>
@@ -8571,10 +8569,10 @@
       </p:cxnSp>
       <p:pic>
         <p:nvPicPr>
-          <p:cNvPr id="71" name="Picture 70">
+          <p:cNvPr id="2" name="Picture 1">
             <a:extLst>
               <a:ext uri="{FF2B5EF4-FFF2-40B4-BE49-F238E27FC236}">
-                <a16:creationId xmlns:a16="http://schemas.microsoft.com/office/drawing/2014/main" id="{5C9E0687-EE7A-2C0C-BFA5-90A7AF8E0B62}"/>
+                <a16:creationId xmlns:a16="http://schemas.microsoft.com/office/drawing/2014/main" id="{DEFEEC2E-0461-4CE9-9247-9C539B7D20A5}"/>
               </a:ext>
             </a:extLst>
           </p:cNvPr>
@@ -8591,8 +8589,8 @@
         </p:blipFill>
         <p:spPr>
           <a:xfrm>
-            <a:off x="6289582" y="1166204"/>
-            <a:ext cx="4572000" cy="762000"/>
+            <a:off x="6480082" y="1144184"/>
+            <a:ext cx="4191000" cy="762000"/>
           </a:xfrm>
           <a:prstGeom prst="rect">
             <a:avLst/>
@@ -8601,10 +8599,10 @@
       </p:pic>
       <p:pic>
         <p:nvPicPr>
-          <p:cNvPr id="72" name="Picture 71">
+          <p:cNvPr id="3" name="Picture 2">
             <a:extLst>
               <a:ext uri="{FF2B5EF4-FFF2-40B4-BE49-F238E27FC236}">
-                <a16:creationId xmlns:a16="http://schemas.microsoft.com/office/drawing/2014/main" id="{35B5E7C2-A5D8-E1E3-8503-0081295075B8}"/>
+                <a16:creationId xmlns:a16="http://schemas.microsoft.com/office/drawing/2014/main" id="{735B5F1F-A494-0FF6-2C6B-AB7197811471}"/>
               </a:ext>
             </a:extLst>
           </p:cNvPr>
@@ -8621,8 +8619,8 @@
         </p:blipFill>
         <p:spPr>
           <a:xfrm>
-            <a:off x="1690757" y="7657186"/>
-            <a:ext cx="4572000" cy="762000"/>
+            <a:off x="1815387" y="7657186"/>
+            <a:ext cx="4191000" cy="762000"/>
           </a:xfrm>
           <a:prstGeom prst="rect">
             <a:avLst/>
@@ -8631,10 +8629,10 @@
       </p:pic>
       <p:pic>
         <p:nvPicPr>
-          <p:cNvPr id="73" name="Picture 72">
+          <p:cNvPr id="11" name="Picture 10">
             <a:extLst>
               <a:ext uri="{FF2B5EF4-FFF2-40B4-BE49-F238E27FC236}">
-                <a16:creationId xmlns:a16="http://schemas.microsoft.com/office/drawing/2014/main" id="{022368A0-1333-FB62-65C9-D520116948C8}"/>
+                <a16:creationId xmlns:a16="http://schemas.microsoft.com/office/drawing/2014/main" id="{C2064C64-5ADF-AA0B-6FFF-7DADA1182061}"/>
               </a:ext>
             </a:extLst>
           </p:cNvPr>
@@ -8651,8 +8649,8 @@
         </p:blipFill>
         <p:spPr>
           <a:xfrm>
-            <a:off x="570875" y="2140690"/>
-            <a:ext cx="762000" cy="4572000"/>
+            <a:off x="503281" y="2409313"/>
+            <a:ext cx="1397000" cy="4191000"/>
           </a:xfrm>
           <a:prstGeom prst="rect">
             <a:avLst/>
@@ -8661,10 +8659,10 @@
       </p:pic>
       <p:pic>
         <p:nvPicPr>
-          <p:cNvPr id="74" name="Picture 73">
+          <p:cNvPr id="36" name="Picture 35">
             <a:extLst>
               <a:ext uri="{FF2B5EF4-FFF2-40B4-BE49-F238E27FC236}">
-                <a16:creationId xmlns:a16="http://schemas.microsoft.com/office/drawing/2014/main" id="{30BCC1A7-9641-AA8F-775F-D676DFD856F3}"/>
+                <a16:creationId xmlns:a16="http://schemas.microsoft.com/office/drawing/2014/main" id="{A9595E94-59DF-E201-9A95-0DBF68962694}"/>
               </a:ext>
             </a:extLst>
           </p:cNvPr>
@@ -8681,8 +8679,8 @@
         </p:blipFill>
         <p:spPr>
           <a:xfrm>
-            <a:off x="10763018" y="3676559"/>
-            <a:ext cx="762000" cy="4572000"/>
+            <a:off x="10774649" y="3951595"/>
+            <a:ext cx="1397000" cy="4191000"/>
           </a:xfrm>
           <a:prstGeom prst="rect">
             <a:avLst/>
@@ -8721,10 +8719,10 @@
       </p:grpSpPr>
       <p:pic>
         <p:nvPicPr>
-          <p:cNvPr id="36" name="Picture 35">
+          <p:cNvPr id="14" name="Picture 13">
             <a:extLst>
               <a:ext uri="{FF2B5EF4-FFF2-40B4-BE49-F238E27FC236}">
-                <a16:creationId xmlns:a16="http://schemas.microsoft.com/office/drawing/2014/main" id="{7192977E-64A9-D3C4-7A6C-B22BCE30F709}"/>
+                <a16:creationId xmlns:a16="http://schemas.microsoft.com/office/drawing/2014/main" id="{64881E6F-F75B-CA64-39D3-5E0ED519706F}"/>
               </a:ext>
             </a:extLst>
           </p:cNvPr>
@@ -8741,8 +8739,8 @@
         </p:blipFill>
         <p:spPr>
           <a:xfrm>
-            <a:off x="6411795" y="3720187"/>
-            <a:ext cx="4572000" cy="1524000"/>
+            <a:off x="6382220" y="3619928"/>
+            <a:ext cx="4191000" cy="1460500"/>
           </a:xfrm>
           <a:prstGeom prst="rect">
             <a:avLst/>
@@ -8751,10 +8749,10 @@
       </p:pic>
       <p:pic>
         <p:nvPicPr>
-          <p:cNvPr id="34" name="Picture 33">
+          <p:cNvPr id="13" name="Picture 12">
             <a:extLst>
               <a:ext uri="{FF2B5EF4-FFF2-40B4-BE49-F238E27FC236}">
-                <a16:creationId xmlns:a16="http://schemas.microsoft.com/office/drawing/2014/main" id="{FD5B4E61-CAE6-DCD8-26C0-F483723EF4B5}"/>
+                <a16:creationId xmlns:a16="http://schemas.microsoft.com/office/drawing/2014/main" id="{68D1F467-E680-1D6B-98BF-4E9AA23AD719}"/>
               </a:ext>
             </a:extLst>
           </p:cNvPr>
@@ -8771,8 +8769,8 @@
         </p:blipFill>
         <p:spPr>
           <a:xfrm>
-            <a:off x="6411795" y="6517842"/>
-            <a:ext cx="4572000" cy="1524000"/>
+            <a:off x="6363640" y="923671"/>
+            <a:ext cx="4191000" cy="1460500"/>
           </a:xfrm>
           <a:prstGeom prst="rect">
             <a:avLst/>
@@ -8781,10 +8779,10 @@
       </p:pic>
       <p:pic>
         <p:nvPicPr>
-          <p:cNvPr id="18" name="Picture 17">
+          <p:cNvPr id="12" name="Picture 11">
             <a:extLst>
               <a:ext uri="{FF2B5EF4-FFF2-40B4-BE49-F238E27FC236}">
-                <a16:creationId xmlns:a16="http://schemas.microsoft.com/office/drawing/2014/main" id="{A507ED29-26DA-0D81-69E1-4C25DEA67D4E}"/>
+                <a16:creationId xmlns:a16="http://schemas.microsoft.com/office/drawing/2014/main" id="{C01213A9-CF9A-26CF-A47A-C89D3E32AFB9}"/>
               </a:ext>
             </a:extLst>
           </p:cNvPr>
@@ -8801,8 +8799,8 @@
         </p:blipFill>
         <p:spPr>
           <a:xfrm>
-            <a:off x="6398961" y="916654"/>
-            <a:ext cx="4572000" cy="1524000"/>
+            <a:off x="6363640" y="6316185"/>
+            <a:ext cx="4191000" cy="1460500"/>
           </a:xfrm>
           <a:prstGeom prst="rect">
             <a:avLst/>
@@ -8925,7 +8923,7 @@
         </p:nvGrpSpPr>
         <p:grpSpPr>
           <a:xfrm>
-            <a:off x="6400800" y="2577216"/>
+            <a:off x="6400800" y="2698271"/>
             <a:ext cx="3084228" cy="607557"/>
             <a:chOff x="2110072" y="1918769"/>
             <a:chExt cx="4572000" cy="900631"/>
@@ -9247,7 +9245,7 @@
         </p:nvGrpSpPr>
         <p:grpSpPr>
           <a:xfrm>
-            <a:off x="7942914" y="8090786"/>
+            <a:off x="7470412" y="8090785"/>
             <a:ext cx="3084228" cy="607557"/>
             <a:chOff x="2110072" y="1918769"/>
             <a:chExt cx="4572000" cy="900631"/>
@@ -9569,7 +9567,7 @@
         </p:nvGrpSpPr>
         <p:grpSpPr>
           <a:xfrm>
-            <a:off x="7155681" y="5343237"/>
+            <a:off x="6935606" y="5394528"/>
             <a:ext cx="3084228" cy="607557"/>
             <a:chOff x="2110072" y="1918769"/>
             <a:chExt cx="4572000" cy="900631"/>
@@ -9877,36 +9875,6 @@
           </p:txBody>
         </p:sp>
       </p:grpSp>
-      <p:pic>
-        <p:nvPicPr>
-          <p:cNvPr id="25" name="Picture 24">
-            <a:extLst>
-              <a:ext uri="{FF2B5EF4-FFF2-40B4-BE49-F238E27FC236}">
-                <a16:creationId xmlns:a16="http://schemas.microsoft.com/office/drawing/2014/main" id="{3A5D342C-F675-1DE9-ECEC-6389548C4887}"/>
-              </a:ext>
-            </a:extLst>
-          </p:cNvPr>
-          <p:cNvPicPr>
-            <a:picLocks noChangeAspect="1"/>
-          </p:cNvPicPr>
-          <p:nvPr/>
-        </p:nvPicPr>
-        <p:blipFill>
-          <a:blip r:embed="rId5"/>
-          <a:stretch>
-            <a:fillRect/>
-          </a:stretch>
-        </p:blipFill>
-        <p:spPr>
-          <a:xfrm>
-            <a:off x="6398961" y="916654"/>
-            <a:ext cx="4572000" cy="1524000"/>
-          </a:xfrm>
-          <a:prstGeom prst="rect">
-            <a:avLst/>
-          </a:prstGeom>
-        </p:spPr>
-      </p:pic>
       <p:sp>
         <p:nvSpPr>
           <p:cNvPr id="2" name="TextBox 1">
@@ -9921,7 +9889,7 @@
         </p:nvSpPr>
         <p:spPr>
           <a:xfrm>
-            <a:off x="11498243" y="5111462"/>
+            <a:off x="11027142" y="4536373"/>
             <a:ext cx="939100" cy="370542"/>
           </a:xfrm>
           <a:prstGeom prst="rect">
@@ -9961,20 +9929,18 @@
           </p:cNvPr>
           <p:cNvCxnSpPr>
             <a:cxnSpLocks/>
-            <a:stCxn id="2" idx="1"/>
+            <a:stCxn id="2" idx="2"/>
             <a:endCxn id="89" idx="3"/>
           </p:cNvCxnSpPr>
           <p:nvPr/>
         </p:nvCxnSpPr>
         <p:spPr>
-          <a:xfrm rot="10800000" flipV="1">
-            <a:off x="10239909" y="5296732"/>
-            <a:ext cx="1258334" cy="439157"/>
+          <a:xfrm rot="5400000">
+            <a:off x="10318130" y="4608619"/>
+            <a:ext cx="880266" cy="1476858"/>
           </a:xfrm>
-          <a:prstGeom prst="curvedConnector3">
-            <a:avLst>
-              <a:gd name="adj1" fmla="val 34013"/>
-            </a:avLst>
+          <a:prstGeom prst="curvedConnector2">
+            <a:avLst/>
           </a:prstGeom>
           <a:ln w="28575">
             <a:solidFill>
@@ -10029,6 +9995,66 @@
           <a:chExt cx="0" cy="0"/>
         </a:xfrm>
       </p:grpSpPr>
+      <p:pic>
+        <p:nvPicPr>
+          <p:cNvPr id="13" name="Picture 12">
+            <a:extLst>
+              <a:ext uri="{FF2B5EF4-FFF2-40B4-BE49-F238E27FC236}">
+                <a16:creationId xmlns:a16="http://schemas.microsoft.com/office/drawing/2014/main" id="{9EEFC865-AEC7-8D52-F3A1-5A088801F803}"/>
+              </a:ext>
+            </a:extLst>
+          </p:cNvPr>
+          <p:cNvPicPr>
+            <a:picLocks noChangeAspect="1"/>
+          </p:cNvPicPr>
+          <p:nvPr/>
+        </p:nvPicPr>
+        <p:blipFill>
+          <a:blip r:embed="rId2"/>
+          <a:stretch>
+            <a:fillRect/>
+          </a:stretch>
+        </p:blipFill>
+        <p:spPr>
+          <a:xfrm>
+            <a:off x="8329381" y="505386"/>
+            <a:ext cx="4191000" cy="762000"/>
+          </a:xfrm>
+          <a:prstGeom prst="rect">
+            <a:avLst/>
+          </a:prstGeom>
+        </p:spPr>
+      </p:pic>
+      <p:pic>
+        <p:nvPicPr>
+          <p:cNvPr id="12" name="Picture 11">
+            <a:extLst>
+              <a:ext uri="{FF2B5EF4-FFF2-40B4-BE49-F238E27FC236}">
+                <a16:creationId xmlns:a16="http://schemas.microsoft.com/office/drawing/2014/main" id="{0CDAB774-079D-8468-5567-37F665B4DCCA}"/>
+              </a:ext>
+            </a:extLst>
+          </p:cNvPr>
+          <p:cNvPicPr>
+            <a:picLocks noChangeAspect="1"/>
+          </p:cNvPicPr>
+          <p:nvPr/>
+        </p:nvPicPr>
+        <p:blipFill>
+          <a:blip r:embed="rId3"/>
+          <a:stretch>
+            <a:fillRect/>
+          </a:stretch>
+        </p:blipFill>
+        <p:spPr>
+          <a:xfrm>
+            <a:off x="403356" y="505386"/>
+            <a:ext cx="4191000" cy="762000"/>
+          </a:xfrm>
+          <a:prstGeom prst="rect">
+            <a:avLst/>
+          </a:prstGeom>
+        </p:spPr>
+      </p:pic>
       <p:sp>
         <p:nvSpPr>
           <p:cNvPr id="4" name="TextBox 3">
@@ -10115,96 +10141,6 @@
           </a:p>
         </p:txBody>
       </p:sp>
-      <p:pic>
-        <p:nvPicPr>
-          <p:cNvPr id="11" name="Picture 10">
-            <a:extLst>
-              <a:ext uri="{FF2B5EF4-FFF2-40B4-BE49-F238E27FC236}">
-                <a16:creationId xmlns:a16="http://schemas.microsoft.com/office/drawing/2014/main" id="{4E6B2D81-F90C-6211-6A52-53AE6862430C}"/>
-              </a:ext>
-            </a:extLst>
-          </p:cNvPr>
-          <p:cNvPicPr>
-            <a:picLocks noChangeAspect="1"/>
-          </p:cNvPicPr>
-          <p:nvPr/>
-        </p:nvPicPr>
-        <p:blipFill>
-          <a:blip r:embed="rId2"/>
-          <a:stretch>
-            <a:fillRect/>
-          </a:stretch>
-        </p:blipFill>
-        <p:spPr>
-          <a:xfrm>
-            <a:off x="197263" y="500374"/>
-            <a:ext cx="4572000" cy="762000"/>
-          </a:xfrm>
-          <a:prstGeom prst="rect">
-            <a:avLst/>
-          </a:prstGeom>
-        </p:spPr>
-      </p:pic>
-      <p:pic>
-        <p:nvPicPr>
-          <p:cNvPr id="14" name="Picture 13">
-            <a:extLst>
-              <a:ext uri="{FF2B5EF4-FFF2-40B4-BE49-F238E27FC236}">
-                <a16:creationId xmlns:a16="http://schemas.microsoft.com/office/drawing/2014/main" id="{D7FA4280-8910-574D-61BC-72671240A68E}"/>
-              </a:ext>
-            </a:extLst>
-          </p:cNvPr>
-          <p:cNvPicPr>
-            <a:picLocks noChangeAspect="1"/>
-          </p:cNvPicPr>
-          <p:nvPr/>
-        </p:nvPicPr>
-        <p:blipFill>
-          <a:blip r:embed="rId3"/>
-          <a:stretch>
-            <a:fillRect/>
-          </a:stretch>
-        </p:blipFill>
-        <p:spPr>
-          <a:xfrm>
-            <a:off x="381373" y="7651558"/>
-            <a:ext cx="4572000" cy="762000"/>
-          </a:xfrm>
-          <a:prstGeom prst="rect">
-            <a:avLst/>
-          </a:prstGeom>
-        </p:spPr>
-      </p:pic>
-      <p:pic>
-        <p:nvPicPr>
-          <p:cNvPr id="15" name="Picture 14">
-            <a:extLst>
-              <a:ext uri="{FF2B5EF4-FFF2-40B4-BE49-F238E27FC236}">
-                <a16:creationId xmlns:a16="http://schemas.microsoft.com/office/drawing/2014/main" id="{5B095EE6-0F6A-3C87-F7C8-6EE7363B38FD}"/>
-              </a:ext>
-            </a:extLst>
-          </p:cNvPr>
-          <p:cNvPicPr>
-            <a:picLocks noChangeAspect="1"/>
-          </p:cNvPicPr>
-          <p:nvPr/>
-        </p:nvPicPr>
-        <p:blipFill>
-          <a:blip r:embed="rId4"/>
-          <a:stretch>
-            <a:fillRect/>
-          </a:stretch>
-        </p:blipFill>
-        <p:spPr>
-          <a:xfrm>
-            <a:off x="381373" y="5976221"/>
-            <a:ext cx="4572000" cy="762000"/>
-          </a:xfrm>
-          <a:prstGeom prst="rect">
-            <a:avLst/>
-          </a:prstGeom>
-        </p:spPr>
-      </p:pic>
       <p:grpSp>
         <p:nvGrpSpPr>
           <p:cNvPr id="16" name="Group 15">
@@ -10219,7 +10155,7 @@
         </p:nvGrpSpPr>
         <p:grpSpPr>
           <a:xfrm>
-            <a:off x="1125259" y="6891111"/>
+            <a:off x="1314853" y="6891111"/>
             <a:ext cx="3084228" cy="607557"/>
             <a:chOff x="2110072" y="1918769"/>
             <a:chExt cx="4572000" cy="900631"/>
@@ -10541,7 +10477,7 @@
         </p:nvGrpSpPr>
         <p:grpSpPr>
           <a:xfrm>
-            <a:off x="380367" y="8566448"/>
+            <a:off x="762356" y="8566448"/>
             <a:ext cx="3084228" cy="607557"/>
             <a:chOff x="2110072" y="1918769"/>
             <a:chExt cx="4572000" cy="900631"/>
@@ -10849,36 +10785,6 @@
           </p:txBody>
         </p:sp>
       </p:grpSp>
-      <p:pic>
-        <p:nvPicPr>
-          <p:cNvPr id="28" name="Picture 27">
-            <a:extLst>
-              <a:ext uri="{FF2B5EF4-FFF2-40B4-BE49-F238E27FC236}">
-                <a16:creationId xmlns:a16="http://schemas.microsoft.com/office/drawing/2014/main" id="{8E4D88CA-B87D-EDF4-DD8C-782BC472B762}"/>
-              </a:ext>
-            </a:extLst>
-          </p:cNvPr>
-          <p:cNvPicPr>
-            <a:picLocks noChangeAspect="1"/>
-          </p:cNvPicPr>
-          <p:nvPr/>
-        </p:nvPicPr>
-        <p:blipFill>
-          <a:blip r:embed="rId5"/>
-          <a:stretch>
-            <a:fillRect/>
-          </a:stretch>
-        </p:blipFill>
-        <p:spPr>
-          <a:xfrm>
-            <a:off x="7989807" y="512806"/>
-            <a:ext cx="4572000" cy="762000"/>
-          </a:xfrm>
-          <a:prstGeom prst="rect">
-            <a:avLst/>
-          </a:prstGeom>
-        </p:spPr>
-      </p:pic>
       <p:grpSp>
         <p:nvGrpSpPr>
           <p:cNvPr id="29" name="Group 28">
@@ -10893,7 +10799,7 @@
         </p:nvGrpSpPr>
         <p:grpSpPr>
           <a:xfrm>
-            <a:off x="6830465" y="1035816"/>
+            <a:off x="6596550" y="1014551"/>
             <a:ext cx="3084228" cy="607557"/>
             <a:chOff x="2110072" y="1918769"/>
             <a:chExt cx="4572000" cy="900631"/>
@@ -11201,36 +11107,6 @@
           </p:txBody>
         </p:sp>
       </p:grpSp>
-      <p:pic>
-        <p:nvPicPr>
-          <p:cNvPr id="35" name="Picture 34">
-            <a:extLst>
-              <a:ext uri="{FF2B5EF4-FFF2-40B4-BE49-F238E27FC236}">
-                <a16:creationId xmlns:a16="http://schemas.microsoft.com/office/drawing/2014/main" id="{3338E33C-74BC-F55C-AADF-755AD2D9C314}"/>
-              </a:ext>
-            </a:extLst>
-          </p:cNvPr>
-          <p:cNvPicPr>
-            <a:picLocks noChangeAspect="1"/>
-          </p:cNvPicPr>
-          <p:nvPr/>
-        </p:nvPicPr>
-        <p:blipFill>
-          <a:blip r:embed="rId6"/>
-          <a:stretch>
-            <a:fillRect/>
-          </a:stretch>
-        </p:blipFill>
-        <p:spPr>
-          <a:xfrm>
-            <a:off x="3800579" y="2070417"/>
-            <a:ext cx="4572000" cy="762000"/>
-          </a:xfrm>
-          <a:prstGeom prst="rect">
-            <a:avLst/>
-          </a:prstGeom>
-        </p:spPr>
-      </p:pic>
       <p:grpSp>
         <p:nvGrpSpPr>
           <p:cNvPr id="36" name="Group 35">
@@ -11875,36 +11751,6 @@
           </p:txBody>
         </p:sp>
       </p:grpSp>
-      <p:pic>
-        <p:nvPicPr>
-          <p:cNvPr id="42" name="Picture 41">
-            <a:extLst>
-              <a:ext uri="{FF2B5EF4-FFF2-40B4-BE49-F238E27FC236}">
-                <a16:creationId xmlns:a16="http://schemas.microsoft.com/office/drawing/2014/main" id="{D0F31135-713B-0963-B748-A820185F7D44}"/>
-              </a:ext>
-            </a:extLst>
-          </p:cNvPr>
-          <p:cNvPicPr>
-            <a:picLocks noChangeAspect="1"/>
-          </p:cNvPicPr>
-          <p:nvPr/>
-        </p:nvPicPr>
-        <p:blipFill>
-          <a:blip r:embed="rId7"/>
-          <a:stretch>
-            <a:fillRect/>
-          </a:stretch>
-        </p:blipFill>
-        <p:spPr>
-          <a:xfrm>
-            <a:off x="381373" y="4300884"/>
-            <a:ext cx="4572000" cy="762000"/>
-          </a:xfrm>
-          <a:prstGeom prst="rect">
-            <a:avLst/>
-          </a:prstGeom>
-        </p:spPr>
-      </p:pic>
       <p:grpSp>
         <p:nvGrpSpPr>
           <p:cNvPr id="43" name="Group 42">
@@ -12835,6 +12681,126 @@
           </a:fontRef>
         </p:style>
       </p:cxnSp>
+      <p:pic>
+        <p:nvPicPr>
+          <p:cNvPr id="55" name="Picture 54">
+            <a:extLst>
+              <a:ext uri="{FF2B5EF4-FFF2-40B4-BE49-F238E27FC236}">
+                <a16:creationId xmlns:a16="http://schemas.microsoft.com/office/drawing/2014/main" id="{4A629539-1D84-768F-50CE-EA4A7AB02E6D}"/>
+              </a:ext>
+            </a:extLst>
+          </p:cNvPr>
+          <p:cNvPicPr>
+            <a:picLocks noChangeAspect="1"/>
+          </p:cNvPicPr>
+          <p:nvPr/>
+        </p:nvPicPr>
+        <p:blipFill>
+          <a:blip r:embed="rId4"/>
+          <a:stretch>
+            <a:fillRect/>
+          </a:stretch>
+        </p:blipFill>
+        <p:spPr>
+          <a:xfrm>
+            <a:off x="4006595" y="2060080"/>
+            <a:ext cx="4191000" cy="762000"/>
+          </a:xfrm>
+          <a:prstGeom prst="rect">
+            <a:avLst/>
+          </a:prstGeom>
+        </p:spPr>
+      </p:pic>
+      <p:pic>
+        <p:nvPicPr>
+          <p:cNvPr id="58" name="Picture 57">
+            <a:extLst>
+              <a:ext uri="{FF2B5EF4-FFF2-40B4-BE49-F238E27FC236}">
+                <a16:creationId xmlns:a16="http://schemas.microsoft.com/office/drawing/2014/main" id="{BCDC025D-8069-D0BD-8BDA-F6AF88125E00}"/>
+              </a:ext>
+            </a:extLst>
+          </p:cNvPr>
+          <p:cNvPicPr>
+            <a:picLocks noChangeAspect="1"/>
+          </p:cNvPicPr>
+          <p:nvPr/>
+        </p:nvPicPr>
+        <p:blipFill>
+          <a:blip r:embed="rId5"/>
+          <a:stretch>
+            <a:fillRect/>
+          </a:stretch>
+        </p:blipFill>
+        <p:spPr>
+          <a:xfrm>
+            <a:off x="760577" y="4293351"/>
+            <a:ext cx="4191000" cy="762000"/>
+          </a:xfrm>
+          <a:prstGeom prst="rect">
+            <a:avLst/>
+          </a:prstGeom>
+        </p:spPr>
+      </p:pic>
+      <p:pic>
+        <p:nvPicPr>
+          <p:cNvPr id="59" name="Picture 58">
+            <a:extLst>
+              <a:ext uri="{FF2B5EF4-FFF2-40B4-BE49-F238E27FC236}">
+                <a16:creationId xmlns:a16="http://schemas.microsoft.com/office/drawing/2014/main" id="{45A0FCE6-B588-F0C8-D746-D72AAD1E754E}"/>
+              </a:ext>
+            </a:extLst>
+          </p:cNvPr>
+          <p:cNvPicPr>
+            <a:picLocks noChangeAspect="1"/>
+          </p:cNvPicPr>
+          <p:nvPr/>
+        </p:nvPicPr>
+        <p:blipFill>
+          <a:blip r:embed="rId6"/>
+          <a:stretch>
+            <a:fillRect/>
+          </a:stretch>
+        </p:blipFill>
+        <p:spPr>
+          <a:xfrm>
+            <a:off x="760577" y="5930680"/>
+            <a:ext cx="4191000" cy="762000"/>
+          </a:xfrm>
+          <a:prstGeom prst="rect">
+            <a:avLst/>
+          </a:prstGeom>
+        </p:spPr>
+      </p:pic>
+      <p:pic>
+        <p:nvPicPr>
+          <p:cNvPr id="60" name="Picture 59">
+            <a:extLst>
+              <a:ext uri="{FF2B5EF4-FFF2-40B4-BE49-F238E27FC236}">
+                <a16:creationId xmlns:a16="http://schemas.microsoft.com/office/drawing/2014/main" id="{D9F8BEBA-58B4-4225-CEEA-7E1EC2746078}"/>
+              </a:ext>
+            </a:extLst>
+          </p:cNvPr>
+          <p:cNvPicPr>
+            <a:picLocks noChangeAspect="1"/>
+          </p:cNvPicPr>
+          <p:nvPr/>
+        </p:nvPicPr>
+        <p:blipFill>
+          <a:blip r:embed="rId7"/>
+          <a:stretch>
+            <a:fillRect/>
+          </a:stretch>
+        </p:blipFill>
+        <p:spPr>
+          <a:xfrm>
+            <a:off x="760577" y="7651558"/>
+            <a:ext cx="4191000" cy="762000"/>
+          </a:xfrm>
+          <a:prstGeom prst="rect">
+            <a:avLst/>
+          </a:prstGeom>
+        </p:spPr>
+      </p:pic>
     </p:spTree>
     <p:extLst>
       <p:ext uri="{BB962C8B-B14F-4D97-AF65-F5344CB8AC3E}">
@@ -12865,6 +12831,96 @@
           <a:chExt cx="0" cy="0"/>
         </a:xfrm>
       </p:grpSpPr>
+      <p:pic>
+        <p:nvPicPr>
+          <p:cNvPr id="44" name="Picture 43">
+            <a:extLst>
+              <a:ext uri="{FF2B5EF4-FFF2-40B4-BE49-F238E27FC236}">
+                <a16:creationId xmlns:a16="http://schemas.microsoft.com/office/drawing/2014/main" id="{E3330B7F-6597-5927-4F27-7D3F482250EC}"/>
+              </a:ext>
+            </a:extLst>
+          </p:cNvPr>
+          <p:cNvPicPr>
+            <a:picLocks noChangeAspect="1"/>
+          </p:cNvPicPr>
+          <p:nvPr/>
+        </p:nvPicPr>
+        <p:blipFill>
+          <a:blip r:embed="rId2"/>
+          <a:stretch>
+            <a:fillRect/>
+          </a:stretch>
+        </p:blipFill>
+        <p:spPr>
+          <a:xfrm>
+            <a:off x="341772" y="347880"/>
+            <a:ext cx="4191000" cy="1460500"/>
+          </a:xfrm>
+          <a:prstGeom prst="rect">
+            <a:avLst/>
+          </a:prstGeom>
+        </p:spPr>
+      </p:pic>
+      <p:pic>
+        <p:nvPicPr>
+          <p:cNvPr id="42" name="Picture 41">
+            <a:extLst>
+              <a:ext uri="{FF2B5EF4-FFF2-40B4-BE49-F238E27FC236}">
+                <a16:creationId xmlns:a16="http://schemas.microsoft.com/office/drawing/2014/main" id="{E193DC81-E320-7584-381F-2F81F86FA8BB}"/>
+              </a:ext>
+            </a:extLst>
+          </p:cNvPr>
+          <p:cNvPicPr>
+            <a:picLocks noChangeAspect="1"/>
+          </p:cNvPicPr>
+          <p:nvPr/>
+        </p:nvPicPr>
+        <p:blipFill>
+          <a:blip r:embed="rId3"/>
+          <a:stretch>
+            <a:fillRect/>
+          </a:stretch>
+        </p:blipFill>
+        <p:spPr>
+          <a:xfrm>
+            <a:off x="8044412" y="7854906"/>
+            <a:ext cx="4191000" cy="1460500"/>
+          </a:xfrm>
+          <a:prstGeom prst="rect">
+            <a:avLst/>
+          </a:prstGeom>
+        </p:spPr>
+      </p:pic>
+      <p:pic>
+        <p:nvPicPr>
+          <p:cNvPr id="41" name="Picture 40">
+            <a:extLst>
+              <a:ext uri="{FF2B5EF4-FFF2-40B4-BE49-F238E27FC236}">
+                <a16:creationId xmlns:a16="http://schemas.microsoft.com/office/drawing/2014/main" id="{D2204217-BD8C-171B-7A7A-9B0BB3EA8EB1}"/>
+              </a:ext>
+            </a:extLst>
+          </p:cNvPr>
+          <p:cNvPicPr>
+            <a:picLocks noChangeAspect="1"/>
+          </p:cNvPicPr>
+          <p:nvPr/>
+        </p:nvPicPr>
+        <p:blipFill>
+          <a:blip r:embed="rId4"/>
+          <a:stretch>
+            <a:fillRect/>
+          </a:stretch>
+        </p:blipFill>
+        <p:spPr>
+          <a:xfrm>
+            <a:off x="8044412" y="285794"/>
+            <a:ext cx="4191000" cy="1460500"/>
+          </a:xfrm>
+          <a:prstGeom prst="rect">
+            <a:avLst/>
+          </a:prstGeom>
+        </p:spPr>
+      </p:pic>
       <p:sp>
         <p:nvSpPr>
           <p:cNvPr id="61" name="TextBox 60">
@@ -12909,7 +12965,23 @@
                 <a:ea typeface="Menlo" panose="020B0609030804020204" pitchFamily="49" charset="0"/>
                 <a:cs typeface="Menlo" panose="020B0609030804020204" pitchFamily="49" charset="0"/>
               </a:rPr>
-              <a:t>sets the align-self value on all direct children as a group. In Flexbox, it controls the </a:t>
+              <a:t>sets the </a:t>
+            </a:r>
+            <a:r>
+              <a:rPr lang="en-HK" sz="2400" dirty="0">
+                <a:latin typeface="Menlo" panose="020B0609030804020204" pitchFamily="49" charset="0"/>
+                <a:ea typeface="Menlo" panose="020B0609030804020204" pitchFamily="49" charset="0"/>
+                <a:cs typeface="Menlo" panose="020B0609030804020204" pitchFamily="49" charset="0"/>
+              </a:rPr>
+              <a:t>“align-self”</a:t>
+            </a:r>
+            <a:r>
+              <a:rPr lang="en-HK" sz="2400" dirty="0">
+                <a:latin typeface="Cadman" panose="020B0603020202020004" pitchFamily="34" charset="0"/>
+                <a:ea typeface="Menlo" panose="020B0609030804020204" pitchFamily="49" charset="0"/>
+                <a:cs typeface="Menlo" panose="020B0609030804020204" pitchFamily="49" charset="0"/>
+              </a:rPr>
+              <a:t> value on all direct children as a group, it controls the </a:t>
             </a:r>
             <a:r>
               <a:rPr lang="en-HK" sz="2400" b="1" dirty="0">
@@ -12951,36 +13023,6 @@
           </a:p>
         </p:txBody>
       </p:sp>
-      <p:pic>
-        <p:nvPicPr>
-          <p:cNvPr id="4" name="Picture 3">
-            <a:extLst>
-              <a:ext uri="{FF2B5EF4-FFF2-40B4-BE49-F238E27FC236}">
-                <a16:creationId xmlns:a16="http://schemas.microsoft.com/office/drawing/2014/main" id="{52B982E5-BFD6-0BF3-5B71-F6514880E71E}"/>
-              </a:ext>
-            </a:extLst>
-          </p:cNvPr>
-          <p:cNvPicPr>
-            <a:picLocks noChangeAspect="1"/>
-          </p:cNvPicPr>
-          <p:nvPr/>
-        </p:nvPicPr>
-        <p:blipFill>
-          <a:blip r:embed="rId2"/>
-          <a:stretch>
-            <a:fillRect/>
-          </a:stretch>
-        </p:blipFill>
-        <p:spPr>
-          <a:xfrm>
-            <a:off x="7853912" y="283090"/>
-            <a:ext cx="4572000" cy="1524000"/>
-          </a:xfrm>
-          <a:prstGeom prst="rect">
-            <a:avLst/>
-          </a:prstGeom>
-        </p:spPr>
-      </p:pic>
       <p:grpSp>
         <p:nvGrpSpPr>
           <p:cNvPr id="55" name="Group 54">
@@ -13303,36 +13345,6 @@
           </p:txBody>
         </p:sp>
       </p:grpSp>
-      <p:pic>
-        <p:nvPicPr>
-          <p:cNvPr id="5" name="Picture 4">
-            <a:extLst>
-              <a:ext uri="{FF2B5EF4-FFF2-40B4-BE49-F238E27FC236}">
-                <a16:creationId xmlns:a16="http://schemas.microsoft.com/office/drawing/2014/main" id="{0AA40C75-3BA3-08F8-C503-3453BDBAEAB2}"/>
-              </a:ext>
-            </a:extLst>
-          </p:cNvPr>
-          <p:cNvPicPr>
-            <a:picLocks noChangeAspect="1"/>
-          </p:cNvPicPr>
-          <p:nvPr/>
-        </p:nvPicPr>
-        <p:blipFill>
-          <a:blip r:embed="rId3"/>
-          <a:stretch>
-            <a:fillRect/>
-          </a:stretch>
-        </p:blipFill>
-        <p:spPr>
-          <a:xfrm>
-            <a:off x="7853912" y="7791490"/>
-            <a:ext cx="4572000" cy="1524000"/>
-          </a:xfrm>
-          <a:prstGeom prst="rect">
-            <a:avLst/>
-          </a:prstGeom>
-        </p:spPr>
-      </p:pic>
       <p:grpSp>
         <p:nvGrpSpPr>
           <p:cNvPr id="6" name="Group 5">
@@ -13655,36 +13667,6 @@
           </p:txBody>
         </p:sp>
       </p:grpSp>
-      <p:pic>
-        <p:nvPicPr>
-          <p:cNvPr id="12" name="Picture 11">
-            <a:extLst>
-              <a:ext uri="{FF2B5EF4-FFF2-40B4-BE49-F238E27FC236}">
-                <a16:creationId xmlns:a16="http://schemas.microsoft.com/office/drawing/2014/main" id="{A43F0F8E-93C4-C1E1-470C-18AE8FA5143F}"/>
-              </a:ext>
-            </a:extLst>
-          </p:cNvPr>
-          <p:cNvPicPr>
-            <a:picLocks noChangeAspect="1"/>
-          </p:cNvPicPr>
-          <p:nvPr/>
-        </p:nvPicPr>
-        <p:blipFill>
-          <a:blip r:embed="rId4"/>
-          <a:stretch>
-            <a:fillRect/>
-          </a:stretch>
-        </p:blipFill>
-        <p:spPr>
-          <a:xfrm>
-            <a:off x="7887828" y="4182832"/>
-            <a:ext cx="4572000" cy="1524000"/>
-          </a:xfrm>
-          <a:prstGeom prst="rect">
-            <a:avLst/>
-          </a:prstGeom>
-        </p:spPr>
-      </p:pic>
       <p:grpSp>
         <p:nvGrpSpPr>
           <p:cNvPr id="13" name="Group 12">
@@ -14007,36 +13989,6 @@
           </p:txBody>
         </p:sp>
       </p:grpSp>
-      <p:pic>
-        <p:nvPicPr>
-          <p:cNvPr id="19" name="Picture 18">
-            <a:extLst>
-              <a:ext uri="{FF2B5EF4-FFF2-40B4-BE49-F238E27FC236}">
-                <a16:creationId xmlns:a16="http://schemas.microsoft.com/office/drawing/2014/main" id="{98A81D7E-754E-944B-07D9-95A4C5CD8205}"/>
-              </a:ext>
-            </a:extLst>
-          </p:cNvPr>
-          <p:cNvPicPr>
-            <a:picLocks noChangeAspect="1"/>
-          </p:cNvPicPr>
-          <p:nvPr/>
-        </p:nvPicPr>
-        <p:blipFill>
-          <a:blip r:embed="rId5"/>
-          <a:stretch>
-            <a:fillRect/>
-          </a:stretch>
-        </p:blipFill>
-        <p:spPr>
-          <a:xfrm>
-            <a:off x="3928213" y="2269071"/>
-            <a:ext cx="4572000" cy="1524000"/>
-          </a:xfrm>
-          <a:prstGeom prst="rect">
-            <a:avLst/>
-          </a:prstGeom>
-        </p:spPr>
-      </p:pic>
       <p:grpSp>
         <p:nvGrpSpPr>
           <p:cNvPr id="20" name="Group 19">
@@ -14359,36 +14311,6 @@
           </p:txBody>
         </p:sp>
       </p:grpSp>
-      <p:pic>
-        <p:nvPicPr>
-          <p:cNvPr id="26" name="Picture 25">
-            <a:extLst>
-              <a:ext uri="{FF2B5EF4-FFF2-40B4-BE49-F238E27FC236}">
-                <a16:creationId xmlns:a16="http://schemas.microsoft.com/office/drawing/2014/main" id="{FBA502C7-5A9E-E82C-7986-DA2EF91B70D9}"/>
-              </a:ext>
-            </a:extLst>
-          </p:cNvPr>
-          <p:cNvPicPr>
-            <a:picLocks noChangeAspect="1"/>
-          </p:cNvPicPr>
-          <p:nvPr/>
-        </p:nvPicPr>
-        <p:blipFill>
-          <a:blip r:embed="rId6"/>
-          <a:stretch>
-            <a:fillRect/>
-          </a:stretch>
-        </p:blipFill>
-        <p:spPr>
-          <a:xfrm>
-            <a:off x="333908" y="347880"/>
-            <a:ext cx="4572000" cy="1524000"/>
-          </a:xfrm>
-          <a:prstGeom prst="rect">
-            <a:avLst/>
-          </a:prstGeom>
-        </p:spPr>
-      </p:pic>
       <p:grpSp>
         <p:nvGrpSpPr>
           <p:cNvPr id="27" name="Group 26">
@@ -15319,6 +15241,110 @@
           </a:fontRef>
         </p:style>
       </p:cxnSp>
+      <p:pic>
+        <p:nvPicPr>
+          <p:cNvPr id="43" name="Picture 42">
+            <a:extLst>
+              <a:ext uri="{FF2B5EF4-FFF2-40B4-BE49-F238E27FC236}">
+                <a16:creationId xmlns:a16="http://schemas.microsoft.com/office/drawing/2014/main" id="{7FB34810-B595-0421-B262-4FEC5D0592D2}"/>
+              </a:ext>
+            </a:extLst>
+          </p:cNvPr>
+          <p:cNvPicPr>
+            <a:picLocks noChangeAspect="1"/>
+          </p:cNvPicPr>
+          <p:nvPr/>
+        </p:nvPicPr>
+        <p:blipFill>
+          <a:blip r:embed="rId5"/>
+          <a:stretch>
+            <a:fillRect/>
+          </a:stretch>
+        </p:blipFill>
+        <p:spPr>
+          <a:xfrm>
+            <a:off x="8044412" y="4177364"/>
+            <a:ext cx="4191000" cy="1460500"/>
+          </a:xfrm>
+          <a:prstGeom prst="rect">
+            <a:avLst/>
+          </a:prstGeom>
+        </p:spPr>
+      </p:pic>
+      <p:pic>
+        <p:nvPicPr>
+          <p:cNvPr id="45" name="Picture 44">
+            <a:extLst>
+              <a:ext uri="{FF2B5EF4-FFF2-40B4-BE49-F238E27FC236}">
+                <a16:creationId xmlns:a16="http://schemas.microsoft.com/office/drawing/2014/main" id="{52DE9365-ACC8-FA0C-BCE9-090B8058F214}"/>
+              </a:ext>
+            </a:extLst>
+          </p:cNvPr>
+          <p:cNvPicPr>
+            <a:picLocks noChangeAspect="1"/>
+          </p:cNvPicPr>
+          <p:nvPr/>
+        </p:nvPicPr>
+        <p:blipFill>
+          <a:blip r:embed="rId6"/>
+          <a:stretch>
+            <a:fillRect/>
+          </a:stretch>
+        </p:blipFill>
+        <p:spPr>
+          <a:xfrm>
+            <a:off x="3941787" y="2304846"/>
+            <a:ext cx="4191000" cy="1460500"/>
+          </a:xfrm>
+          <a:prstGeom prst="rect">
+            <a:avLst/>
+          </a:prstGeom>
+        </p:spPr>
+      </p:pic>
+      <p:cxnSp>
+        <p:nvCxnSpPr>
+          <p:cNvPr id="47" name="Straight Connector 46">
+            <a:extLst>
+              <a:ext uri="{FF2B5EF4-FFF2-40B4-BE49-F238E27FC236}">
+                <a16:creationId xmlns:a16="http://schemas.microsoft.com/office/drawing/2014/main" id="{039D64D1-25DF-1ABB-A722-5B1AD9D761F6}"/>
+              </a:ext>
+            </a:extLst>
+          </p:cNvPr>
+          <p:cNvCxnSpPr>
+            <a:cxnSpLocks/>
+          </p:cNvCxnSpPr>
+          <p:nvPr/>
+        </p:nvCxnSpPr>
+        <p:spPr>
+          <a:xfrm>
+            <a:off x="158360" y="1016044"/>
+            <a:ext cx="4638096" cy="0"/>
+          </a:xfrm>
+          <a:prstGeom prst="line">
+            <a:avLst/>
+          </a:prstGeom>
+          <a:ln w="19050">
+            <a:solidFill>
+              <a:srgbClr val="EFFFFF"/>
+            </a:solidFill>
+            <a:prstDash val="dash"/>
+          </a:ln>
+        </p:spPr>
+        <p:style>
+          <a:lnRef idx="1">
+            <a:schemeClr val="accent1"/>
+          </a:lnRef>
+          <a:fillRef idx="0">
+            <a:schemeClr val="accent1"/>
+          </a:fillRef>
+          <a:effectRef idx="0">
+            <a:schemeClr val="accent1"/>
+          </a:effectRef>
+          <a:fontRef idx="minor">
+            <a:schemeClr val="tx1"/>
+          </a:fontRef>
+        </p:style>
+      </p:cxnSp>
     </p:spTree>
     <p:extLst>
       <p:ext uri="{BB962C8B-B14F-4D97-AF65-F5344CB8AC3E}">
@@ -15362,9 +15388,9 @@
           <p:nvPr/>
         </p:nvSpPr>
         <p:spPr>
-          <a:xfrm>
-            <a:off x="299241" y="3184773"/>
-            <a:ext cx="6675717" cy="2862322"/>
+          <a:xfrm rot="16200000">
+            <a:off x="2271473" y="3554106"/>
+            <a:ext cx="7907664" cy="2492990"/>
           </a:xfrm>
           <a:prstGeom prst="rect">
             <a:avLst/>
@@ -15455,6 +15481,156 @@
           </a:p>
         </p:txBody>
       </p:sp>
+      <p:pic>
+        <p:nvPicPr>
+          <p:cNvPr id="2" name="Picture 1">
+            <a:extLst>
+              <a:ext uri="{FF2B5EF4-FFF2-40B4-BE49-F238E27FC236}">
+                <a16:creationId xmlns:a16="http://schemas.microsoft.com/office/drawing/2014/main" id="{7B280E26-4565-7030-2F8B-D084FFE66BBB}"/>
+              </a:ext>
+            </a:extLst>
+          </p:cNvPr>
+          <p:cNvPicPr>
+            <a:picLocks noChangeAspect="1"/>
+          </p:cNvPicPr>
+          <p:nvPr/>
+        </p:nvPicPr>
+        <p:blipFill>
+          <a:blip r:embed="rId2"/>
+          <a:stretch>
+            <a:fillRect/>
+          </a:stretch>
+        </p:blipFill>
+        <p:spPr>
+          <a:xfrm>
+            <a:off x="8061624" y="328006"/>
+            <a:ext cx="4191000" cy="2095500"/>
+          </a:xfrm>
+          <a:prstGeom prst="rect">
+            <a:avLst/>
+          </a:prstGeom>
+        </p:spPr>
+      </p:pic>
+      <p:pic>
+        <p:nvPicPr>
+          <p:cNvPr id="3" name="Picture 2">
+            <a:extLst>
+              <a:ext uri="{FF2B5EF4-FFF2-40B4-BE49-F238E27FC236}">
+                <a16:creationId xmlns:a16="http://schemas.microsoft.com/office/drawing/2014/main" id="{D9659DFE-A91F-1386-3188-AA57E598FF26}"/>
+              </a:ext>
+            </a:extLst>
+          </p:cNvPr>
+          <p:cNvPicPr>
+            <a:picLocks noChangeAspect="1"/>
+          </p:cNvPicPr>
+          <p:nvPr/>
+        </p:nvPicPr>
+        <p:blipFill>
+          <a:blip r:embed="rId3"/>
+          <a:stretch>
+            <a:fillRect/>
+          </a:stretch>
+        </p:blipFill>
+        <p:spPr>
+          <a:xfrm>
+            <a:off x="8174706" y="7095132"/>
+            <a:ext cx="4191000" cy="2095500"/>
+          </a:xfrm>
+          <a:prstGeom prst="rect">
+            <a:avLst/>
+          </a:prstGeom>
+        </p:spPr>
+      </p:pic>
+      <p:pic>
+        <p:nvPicPr>
+          <p:cNvPr id="4" name="Picture 3">
+            <a:extLst>
+              <a:ext uri="{FF2B5EF4-FFF2-40B4-BE49-F238E27FC236}">
+                <a16:creationId xmlns:a16="http://schemas.microsoft.com/office/drawing/2014/main" id="{0D190994-9A4C-2A9F-A541-C0C50EF5C530}"/>
+              </a:ext>
+            </a:extLst>
+          </p:cNvPr>
+          <p:cNvPicPr>
+            <a:picLocks noChangeAspect="1"/>
+          </p:cNvPicPr>
+          <p:nvPr/>
+        </p:nvPicPr>
+        <p:blipFill>
+          <a:blip r:embed="rId4"/>
+          <a:stretch>
+            <a:fillRect/>
+          </a:stretch>
+        </p:blipFill>
+        <p:spPr>
+          <a:xfrm>
+            <a:off x="8110156" y="3845571"/>
+            <a:ext cx="4191000" cy="2095500"/>
+          </a:xfrm>
+          <a:prstGeom prst="rect">
+            <a:avLst/>
+          </a:prstGeom>
+        </p:spPr>
+      </p:pic>
+      <p:pic>
+        <p:nvPicPr>
+          <p:cNvPr id="5" name="Picture 4">
+            <a:extLst>
+              <a:ext uri="{FF2B5EF4-FFF2-40B4-BE49-F238E27FC236}">
+                <a16:creationId xmlns:a16="http://schemas.microsoft.com/office/drawing/2014/main" id="{7EEFC906-BBE4-298A-7CEA-C5471F76278B}"/>
+              </a:ext>
+            </a:extLst>
+          </p:cNvPr>
+          <p:cNvPicPr>
+            <a:picLocks noChangeAspect="1"/>
+          </p:cNvPicPr>
+          <p:nvPr/>
+        </p:nvPicPr>
+        <p:blipFill>
+          <a:blip r:embed="rId5"/>
+          <a:stretch>
+            <a:fillRect/>
+          </a:stretch>
+        </p:blipFill>
+        <p:spPr>
+          <a:xfrm>
+            <a:off x="213249" y="463658"/>
+            <a:ext cx="4191000" cy="2095500"/>
+          </a:xfrm>
+          <a:prstGeom prst="rect">
+            <a:avLst/>
+          </a:prstGeom>
+        </p:spPr>
+      </p:pic>
+      <p:pic>
+        <p:nvPicPr>
+          <p:cNvPr id="6" name="Picture 5">
+            <a:extLst>
+              <a:ext uri="{FF2B5EF4-FFF2-40B4-BE49-F238E27FC236}">
+                <a16:creationId xmlns:a16="http://schemas.microsoft.com/office/drawing/2014/main" id="{0C882517-0468-7958-8C3E-586116E843A4}"/>
+              </a:ext>
+            </a:extLst>
+          </p:cNvPr>
+          <p:cNvPicPr>
+            <a:picLocks noChangeAspect="1"/>
+          </p:cNvPicPr>
+          <p:nvPr/>
+        </p:nvPicPr>
+        <p:blipFill>
+          <a:blip r:embed="rId6"/>
+          <a:stretch>
+            <a:fillRect/>
+          </a:stretch>
+        </p:blipFill>
+        <p:spPr>
+          <a:xfrm>
+            <a:off x="217308" y="3078596"/>
+            <a:ext cx="4191000" cy="2095500"/>
+          </a:xfrm>
+          <a:prstGeom prst="rect">
+            <a:avLst/>
+          </a:prstGeom>
+        </p:spPr>
+      </p:pic>
       <p:grpSp>
         <p:nvGrpSpPr>
           <p:cNvPr id="55" name="Group 54">
@@ -15469,7 +15645,7 @@
         </p:nvGrpSpPr>
         <p:grpSpPr>
           <a:xfrm>
-            <a:off x="7868093" y="4569768"/>
+            <a:off x="597746" y="5307445"/>
             <a:ext cx="3084228" cy="607557"/>
             <a:chOff x="2110072" y="1918769"/>
             <a:chExt cx="4572000" cy="900631"/>
@@ -15708,7 +15884,7 @@
                   <a:ea typeface="Menlo" panose="020B0609030804020204" pitchFamily="49" charset="0"/>
                   <a:cs typeface="Menlo" panose="020B0609030804020204" pitchFamily="49" charset="0"/>
                 </a:rPr>
-                <a:t>wrap</a:t>
+                <a:t>space-around</a:t>
               </a:r>
               <a:r>
                 <a:rPr lang="en-US" sz="1200" dirty="0">
@@ -15730,6 +15906,1646 @@
               <a:extLst>
                 <a:ext uri="{FF2B5EF4-FFF2-40B4-BE49-F238E27FC236}">
                   <a16:creationId xmlns:a16="http://schemas.microsoft.com/office/drawing/2014/main" id="{80717A88-1C25-1853-5EE8-7AD9D9DB6CE6}"/>
+                </a:ext>
+              </a:extLst>
+            </p:cNvPr>
+            <p:cNvSpPr/>
+            <p:nvPr/>
+          </p:nvSpPr>
+          <p:spPr>
+            <a:xfrm>
+              <a:off x="2556688" y="2065599"/>
+              <a:ext cx="133878" cy="133878"/>
+            </a:xfrm>
+            <a:prstGeom prst="ellipse">
+              <a:avLst/>
+            </a:prstGeom>
+            <a:solidFill>
+              <a:srgbClr val="FFD60A"/>
+            </a:solidFill>
+            <a:ln>
+              <a:noFill/>
+            </a:ln>
+          </p:spPr>
+          <p:style>
+            <a:lnRef idx="2">
+              <a:schemeClr val="accent1">
+                <a:shade val="15000"/>
+              </a:schemeClr>
+            </a:lnRef>
+            <a:fillRef idx="1">
+              <a:schemeClr val="accent1"/>
+            </a:fillRef>
+            <a:effectRef idx="0">
+              <a:schemeClr val="accent1"/>
+            </a:effectRef>
+            <a:fontRef idx="minor">
+              <a:schemeClr val="lt1"/>
+            </a:fontRef>
+          </p:style>
+          <p:txBody>
+            <a:bodyPr rtlCol="0" anchor="ctr"/>
+            <a:lstStyle/>
+            <a:p>
+              <a:pPr algn="ctr"/>
+              <a:endParaRPr lang="en-US"/>
+            </a:p>
+          </p:txBody>
+        </p:sp>
+      </p:grpSp>
+      <p:pic>
+        <p:nvPicPr>
+          <p:cNvPr id="7" name="Picture 6">
+            <a:extLst>
+              <a:ext uri="{FF2B5EF4-FFF2-40B4-BE49-F238E27FC236}">
+                <a16:creationId xmlns:a16="http://schemas.microsoft.com/office/drawing/2014/main" id="{757FDF49-38E5-71F1-C762-C9ABF2EFA869}"/>
+              </a:ext>
+            </a:extLst>
+          </p:cNvPr>
+          <p:cNvPicPr>
+            <a:picLocks noChangeAspect="1"/>
+          </p:cNvPicPr>
+          <p:nvPr/>
+        </p:nvPicPr>
+        <p:blipFill>
+          <a:blip r:embed="rId7"/>
+          <a:stretch>
+            <a:fillRect/>
+          </a:stretch>
+        </p:blipFill>
+        <p:spPr>
+          <a:xfrm>
+            <a:off x="172109" y="6439326"/>
+            <a:ext cx="4191000" cy="2095500"/>
+          </a:xfrm>
+          <a:prstGeom prst="rect">
+            <a:avLst/>
+          </a:prstGeom>
+        </p:spPr>
+      </p:pic>
+      <p:grpSp>
+        <p:nvGrpSpPr>
+          <p:cNvPr id="8" name="Group 7">
+            <a:extLst>
+              <a:ext uri="{FF2B5EF4-FFF2-40B4-BE49-F238E27FC236}">
+                <a16:creationId xmlns:a16="http://schemas.microsoft.com/office/drawing/2014/main" id="{929D902A-75D8-977E-C93D-141AAD8D62EA}"/>
+              </a:ext>
+            </a:extLst>
+          </p:cNvPr>
+          <p:cNvGrpSpPr/>
+          <p:nvPr/>
+        </p:nvGrpSpPr>
+        <p:grpSpPr>
+          <a:xfrm>
+            <a:off x="713230" y="8692152"/>
+            <a:ext cx="3084228" cy="607557"/>
+            <a:chOff x="2110072" y="1918769"/>
+            <a:chExt cx="4572000" cy="900631"/>
+          </a:xfrm>
+        </p:grpSpPr>
+        <p:sp>
+          <p:nvSpPr>
+            <p:cNvPr id="9" name="Rounded Rectangle 8">
+              <a:extLst>
+                <a:ext uri="{FF2B5EF4-FFF2-40B4-BE49-F238E27FC236}">
+                  <a16:creationId xmlns:a16="http://schemas.microsoft.com/office/drawing/2014/main" id="{B20577D6-DF56-84C1-B767-A5DDD917CD22}"/>
+                </a:ext>
+              </a:extLst>
+            </p:cNvPr>
+            <p:cNvSpPr/>
+            <p:nvPr/>
+          </p:nvSpPr>
+          <p:spPr>
+            <a:xfrm>
+              <a:off x="2110072" y="1918769"/>
+              <a:ext cx="4572000" cy="900631"/>
+            </a:xfrm>
+            <a:prstGeom prst="roundRect">
+              <a:avLst>
+                <a:gd name="adj" fmla="val 11911"/>
+              </a:avLst>
+            </a:prstGeom>
+            <a:solidFill>
+              <a:srgbClr val="212121"/>
+            </a:solidFill>
+          </p:spPr>
+          <p:style>
+            <a:lnRef idx="2">
+              <a:schemeClr val="accent1">
+                <a:shade val="15000"/>
+              </a:schemeClr>
+            </a:lnRef>
+            <a:fillRef idx="1">
+              <a:schemeClr val="accent1"/>
+            </a:fillRef>
+            <a:effectRef idx="0">
+              <a:schemeClr val="accent1"/>
+            </a:effectRef>
+            <a:fontRef idx="minor">
+              <a:schemeClr val="lt1"/>
+            </a:fontRef>
+          </p:style>
+          <p:txBody>
+            <a:bodyPr rtlCol="0" anchor="ctr"/>
+            <a:lstStyle/>
+            <a:p>
+              <a:pPr algn="ctr"/>
+              <a:endParaRPr lang="en-US" dirty="0">
+                <a:solidFill>
+                  <a:srgbClr val="89DEFF"/>
+                </a:solidFill>
+                <a:latin typeface="Menlo" panose="020B0609030804020204" pitchFamily="49" charset="0"/>
+                <a:ea typeface="Menlo" panose="020B0609030804020204" pitchFamily="49" charset="0"/>
+                <a:cs typeface="Menlo" panose="020B0609030804020204" pitchFamily="49" charset="0"/>
+              </a:endParaRPr>
+            </a:p>
+          </p:txBody>
+        </p:sp>
+        <p:sp>
+          <p:nvSpPr>
+            <p:cNvPr id="10" name="Oval 9">
+              <a:extLst>
+                <a:ext uri="{FF2B5EF4-FFF2-40B4-BE49-F238E27FC236}">
+                  <a16:creationId xmlns:a16="http://schemas.microsoft.com/office/drawing/2014/main" id="{014BF24D-A702-EEB4-5F1F-187DA9418393}"/>
+                </a:ext>
+              </a:extLst>
+            </p:cNvPr>
+            <p:cNvSpPr/>
+            <p:nvPr/>
+          </p:nvSpPr>
+          <p:spPr>
+            <a:xfrm>
+              <a:off x="2304999" y="2065600"/>
+              <a:ext cx="133878" cy="133878"/>
+            </a:xfrm>
+            <a:prstGeom prst="ellipse">
+              <a:avLst/>
+            </a:prstGeom>
+            <a:solidFill>
+              <a:srgbClr val="FF453A"/>
+            </a:solidFill>
+            <a:ln>
+              <a:noFill/>
+            </a:ln>
+          </p:spPr>
+          <p:style>
+            <a:lnRef idx="2">
+              <a:schemeClr val="accent1">
+                <a:shade val="15000"/>
+              </a:schemeClr>
+            </a:lnRef>
+            <a:fillRef idx="1">
+              <a:schemeClr val="accent1"/>
+            </a:fillRef>
+            <a:effectRef idx="0">
+              <a:schemeClr val="accent1"/>
+            </a:effectRef>
+            <a:fontRef idx="minor">
+              <a:schemeClr val="lt1"/>
+            </a:fontRef>
+          </p:style>
+          <p:txBody>
+            <a:bodyPr rtlCol="0" anchor="ctr"/>
+            <a:lstStyle/>
+            <a:p>
+              <a:pPr algn="ctr"/>
+              <a:endParaRPr lang="en-US"/>
+            </a:p>
+          </p:txBody>
+        </p:sp>
+        <p:sp>
+          <p:nvSpPr>
+            <p:cNvPr id="11" name="Oval 10">
+              <a:extLst>
+                <a:ext uri="{FF2B5EF4-FFF2-40B4-BE49-F238E27FC236}">
+                  <a16:creationId xmlns:a16="http://schemas.microsoft.com/office/drawing/2014/main" id="{CDC978D5-F02A-3A3E-799A-8D9B921E4233}"/>
+                </a:ext>
+              </a:extLst>
+            </p:cNvPr>
+            <p:cNvSpPr/>
+            <p:nvPr/>
+          </p:nvSpPr>
+          <p:spPr>
+            <a:xfrm>
+              <a:off x="2808377" y="2065599"/>
+              <a:ext cx="133878" cy="133878"/>
+            </a:xfrm>
+            <a:prstGeom prst="ellipse">
+              <a:avLst/>
+            </a:prstGeom>
+            <a:solidFill>
+              <a:srgbClr val="32D74B"/>
+            </a:solidFill>
+            <a:ln>
+              <a:noFill/>
+            </a:ln>
+          </p:spPr>
+          <p:style>
+            <a:lnRef idx="2">
+              <a:schemeClr val="accent1">
+                <a:shade val="15000"/>
+              </a:schemeClr>
+            </a:lnRef>
+            <a:fillRef idx="1">
+              <a:schemeClr val="accent1"/>
+            </a:fillRef>
+            <a:effectRef idx="0">
+              <a:schemeClr val="accent1"/>
+            </a:effectRef>
+            <a:fontRef idx="minor">
+              <a:schemeClr val="lt1"/>
+            </a:fontRef>
+          </p:style>
+          <p:txBody>
+            <a:bodyPr rtlCol="0" anchor="ctr"/>
+            <a:lstStyle/>
+            <a:p>
+              <a:pPr algn="ctr"/>
+              <a:endParaRPr lang="en-US"/>
+            </a:p>
+          </p:txBody>
+        </p:sp>
+        <p:sp>
+          <p:nvSpPr>
+            <p:cNvPr id="12" name="TextBox 11">
+              <a:extLst>
+                <a:ext uri="{FF2B5EF4-FFF2-40B4-BE49-F238E27FC236}">
+                  <a16:creationId xmlns:a16="http://schemas.microsoft.com/office/drawing/2014/main" id="{442BCA94-F53D-FF3E-18C8-F165F9EF6329}"/>
+                </a:ext>
+              </a:extLst>
+            </p:cNvPr>
+            <p:cNvSpPr txBox="1"/>
+            <p:nvPr/>
+          </p:nvSpPr>
+          <p:spPr>
+            <a:xfrm>
+              <a:off x="2110072" y="2295521"/>
+              <a:ext cx="4572000" cy="410618"/>
+            </a:xfrm>
+            <a:prstGeom prst="rect">
+              <a:avLst/>
+            </a:prstGeom>
+            <a:noFill/>
+          </p:spPr>
+          <p:txBody>
+            <a:bodyPr wrap="square">
+              <a:spAutoFit/>
+            </a:bodyPr>
+            <a:lstStyle/>
+            <a:p>
+              <a:pPr algn="ctr"/>
+              <a:r>
+                <a:rPr lang="en-US" sz="1200" dirty="0">
+                  <a:solidFill>
+                    <a:srgbClr val="AFC8D3"/>
+                  </a:solidFill>
+                  <a:latin typeface="Menlo" panose="020B0609030804020204" pitchFamily="49" charset="0"/>
+                  <a:ea typeface="Menlo" panose="020B0609030804020204" pitchFamily="49" charset="0"/>
+                  <a:cs typeface="Menlo" panose="020B0609030804020204" pitchFamily="49" charset="0"/>
+                </a:rPr>
+                <a:t>align-content</a:t>
+              </a:r>
+              <a:r>
+                <a:rPr lang="en-US" sz="1200" dirty="0">
+                  <a:solidFill>
+                    <a:srgbClr val="89DEFF"/>
+                  </a:solidFill>
+                  <a:latin typeface="Menlo" panose="020B0609030804020204" pitchFamily="49" charset="0"/>
+                  <a:ea typeface="Menlo" panose="020B0609030804020204" pitchFamily="49" charset="0"/>
+                  <a:cs typeface="Menlo" panose="020B0609030804020204" pitchFamily="49" charset="0"/>
+                </a:rPr>
+                <a:t>:</a:t>
+              </a:r>
+              <a:r>
+                <a:rPr lang="en-US" sz="1200" dirty="0">
+                  <a:solidFill>
+                    <a:schemeClr val="bg1"/>
+                  </a:solidFill>
+                  <a:latin typeface="Menlo" panose="020B0609030804020204" pitchFamily="49" charset="0"/>
+                  <a:ea typeface="Menlo" panose="020B0609030804020204" pitchFamily="49" charset="0"/>
+                  <a:cs typeface="Menlo" panose="020B0609030804020204" pitchFamily="49" charset="0"/>
+                </a:rPr>
+                <a:t> </a:t>
+              </a:r>
+              <a:r>
+                <a:rPr lang="en-US" sz="1200" dirty="0">
+                  <a:solidFill>
+                    <a:srgbClr val="EFFFFF"/>
+                  </a:solidFill>
+                  <a:latin typeface="Menlo" panose="020B0609030804020204" pitchFamily="49" charset="0"/>
+                  <a:ea typeface="Menlo" panose="020B0609030804020204" pitchFamily="49" charset="0"/>
+                  <a:cs typeface="Menlo" panose="020B0609030804020204" pitchFamily="49" charset="0"/>
+                </a:rPr>
+                <a:t>space-evenly</a:t>
+              </a:r>
+              <a:r>
+                <a:rPr lang="en-US" sz="1200" dirty="0">
+                  <a:solidFill>
+                    <a:srgbClr val="89DEFF"/>
+                  </a:solidFill>
+                  <a:latin typeface="Menlo" panose="020B0609030804020204" pitchFamily="49" charset="0"/>
+                  <a:ea typeface="Menlo" panose="020B0609030804020204" pitchFamily="49" charset="0"/>
+                  <a:cs typeface="Menlo" panose="020B0609030804020204" pitchFamily="49" charset="0"/>
+                </a:rPr>
+                <a:t>;</a:t>
+              </a:r>
+            </a:p>
+          </p:txBody>
+        </p:sp>
+        <p:sp>
+          <p:nvSpPr>
+            <p:cNvPr id="13" name="Oval 12">
+              <a:extLst>
+                <a:ext uri="{FF2B5EF4-FFF2-40B4-BE49-F238E27FC236}">
+                  <a16:creationId xmlns:a16="http://schemas.microsoft.com/office/drawing/2014/main" id="{AE374155-4211-35B7-7786-FCAFF4BB53DA}"/>
+                </a:ext>
+              </a:extLst>
+            </p:cNvPr>
+            <p:cNvSpPr/>
+            <p:nvPr/>
+          </p:nvSpPr>
+          <p:spPr>
+            <a:xfrm>
+              <a:off x="2556688" y="2065599"/>
+              <a:ext cx="133878" cy="133878"/>
+            </a:xfrm>
+            <a:prstGeom prst="ellipse">
+              <a:avLst/>
+            </a:prstGeom>
+            <a:solidFill>
+              <a:srgbClr val="FFD60A"/>
+            </a:solidFill>
+            <a:ln>
+              <a:noFill/>
+            </a:ln>
+          </p:spPr>
+          <p:style>
+            <a:lnRef idx="2">
+              <a:schemeClr val="accent1">
+                <a:shade val="15000"/>
+              </a:schemeClr>
+            </a:lnRef>
+            <a:fillRef idx="1">
+              <a:schemeClr val="accent1"/>
+            </a:fillRef>
+            <a:effectRef idx="0">
+              <a:schemeClr val="accent1"/>
+            </a:effectRef>
+            <a:fontRef idx="minor">
+              <a:schemeClr val="lt1"/>
+            </a:fontRef>
+          </p:style>
+          <p:txBody>
+            <a:bodyPr rtlCol="0" anchor="ctr"/>
+            <a:lstStyle/>
+            <a:p>
+              <a:pPr algn="ctr"/>
+              <a:endParaRPr lang="en-US"/>
+            </a:p>
+          </p:txBody>
+        </p:sp>
+      </p:grpSp>
+      <p:grpSp>
+        <p:nvGrpSpPr>
+          <p:cNvPr id="14" name="Group 13">
+            <a:extLst>
+              <a:ext uri="{FF2B5EF4-FFF2-40B4-BE49-F238E27FC236}">
+                <a16:creationId xmlns:a16="http://schemas.microsoft.com/office/drawing/2014/main" id="{306BB62D-1A98-D867-173C-1C39180FF54C}"/>
+              </a:ext>
+            </a:extLst>
+          </p:cNvPr>
+          <p:cNvGrpSpPr/>
+          <p:nvPr/>
+        </p:nvGrpSpPr>
+        <p:grpSpPr>
+          <a:xfrm>
+            <a:off x="1626260" y="1207629"/>
+            <a:ext cx="3084228" cy="607557"/>
+            <a:chOff x="2110072" y="1918769"/>
+            <a:chExt cx="4572000" cy="900631"/>
+          </a:xfrm>
+        </p:grpSpPr>
+        <p:sp>
+          <p:nvSpPr>
+            <p:cNvPr id="15" name="Rounded Rectangle 14">
+              <a:extLst>
+                <a:ext uri="{FF2B5EF4-FFF2-40B4-BE49-F238E27FC236}">
+                  <a16:creationId xmlns:a16="http://schemas.microsoft.com/office/drawing/2014/main" id="{193DD354-615E-AEDB-3277-5F2CCEA76C49}"/>
+                </a:ext>
+              </a:extLst>
+            </p:cNvPr>
+            <p:cNvSpPr/>
+            <p:nvPr/>
+          </p:nvSpPr>
+          <p:spPr>
+            <a:xfrm>
+              <a:off x="2110072" y="1918769"/>
+              <a:ext cx="4572000" cy="900631"/>
+            </a:xfrm>
+            <a:prstGeom prst="roundRect">
+              <a:avLst>
+                <a:gd name="adj" fmla="val 11911"/>
+              </a:avLst>
+            </a:prstGeom>
+            <a:solidFill>
+              <a:srgbClr val="212121"/>
+            </a:solidFill>
+          </p:spPr>
+          <p:style>
+            <a:lnRef idx="2">
+              <a:schemeClr val="accent1">
+                <a:shade val="15000"/>
+              </a:schemeClr>
+            </a:lnRef>
+            <a:fillRef idx="1">
+              <a:schemeClr val="accent1"/>
+            </a:fillRef>
+            <a:effectRef idx="0">
+              <a:schemeClr val="accent1"/>
+            </a:effectRef>
+            <a:fontRef idx="minor">
+              <a:schemeClr val="lt1"/>
+            </a:fontRef>
+          </p:style>
+          <p:txBody>
+            <a:bodyPr rtlCol="0" anchor="ctr"/>
+            <a:lstStyle/>
+            <a:p>
+              <a:pPr algn="ctr"/>
+              <a:endParaRPr lang="en-US" dirty="0">
+                <a:solidFill>
+                  <a:srgbClr val="89DEFF"/>
+                </a:solidFill>
+                <a:latin typeface="Menlo" panose="020B0609030804020204" pitchFamily="49" charset="0"/>
+                <a:ea typeface="Menlo" panose="020B0609030804020204" pitchFamily="49" charset="0"/>
+                <a:cs typeface="Menlo" panose="020B0609030804020204" pitchFamily="49" charset="0"/>
+              </a:endParaRPr>
+            </a:p>
+          </p:txBody>
+        </p:sp>
+        <p:sp>
+          <p:nvSpPr>
+            <p:cNvPr id="16" name="Oval 15">
+              <a:extLst>
+                <a:ext uri="{FF2B5EF4-FFF2-40B4-BE49-F238E27FC236}">
+                  <a16:creationId xmlns:a16="http://schemas.microsoft.com/office/drawing/2014/main" id="{493E7D91-D98D-8CA4-3693-84A3D5B51B05}"/>
+                </a:ext>
+              </a:extLst>
+            </p:cNvPr>
+            <p:cNvSpPr/>
+            <p:nvPr/>
+          </p:nvSpPr>
+          <p:spPr>
+            <a:xfrm>
+              <a:off x="2304999" y="2065600"/>
+              <a:ext cx="133878" cy="133878"/>
+            </a:xfrm>
+            <a:prstGeom prst="ellipse">
+              <a:avLst/>
+            </a:prstGeom>
+            <a:solidFill>
+              <a:srgbClr val="FF453A"/>
+            </a:solidFill>
+            <a:ln>
+              <a:noFill/>
+            </a:ln>
+          </p:spPr>
+          <p:style>
+            <a:lnRef idx="2">
+              <a:schemeClr val="accent1">
+                <a:shade val="15000"/>
+              </a:schemeClr>
+            </a:lnRef>
+            <a:fillRef idx="1">
+              <a:schemeClr val="accent1"/>
+            </a:fillRef>
+            <a:effectRef idx="0">
+              <a:schemeClr val="accent1"/>
+            </a:effectRef>
+            <a:fontRef idx="minor">
+              <a:schemeClr val="lt1"/>
+            </a:fontRef>
+          </p:style>
+          <p:txBody>
+            <a:bodyPr rtlCol="0" anchor="ctr"/>
+            <a:lstStyle/>
+            <a:p>
+              <a:pPr algn="ctr"/>
+              <a:endParaRPr lang="en-US"/>
+            </a:p>
+          </p:txBody>
+        </p:sp>
+        <p:sp>
+          <p:nvSpPr>
+            <p:cNvPr id="17" name="Oval 16">
+              <a:extLst>
+                <a:ext uri="{FF2B5EF4-FFF2-40B4-BE49-F238E27FC236}">
+                  <a16:creationId xmlns:a16="http://schemas.microsoft.com/office/drawing/2014/main" id="{54B135E1-5F9B-6E7A-A58C-8BEBA47ED48D}"/>
+                </a:ext>
+              </a:extLst>
+            </p:cNvPr>
+            <p:cNvSpPr/>
+            <p:nvPr/>
+          </p:nvSpPr>
+          <p:spPr>
+            <a:xfrm>
+              <a:off x="2808377" y="2065599"/>
+              <a:ext cx="133878" cy="133878"/>
+            </a:xfrm>
+            <a:prstGeom prst="ellipse">
+              <a:avLst/>
+            </a:prstGeom>
+            <a:solidFill>
+              <a:srgbClr val="32D74B"/>
+            </a:solidFill>
+            <a:ln>
+              <a:noFill/>
+            </a:ln>
+          </p:spPr>
+          <p:style>
+            <a:lnRef idx="2">
+              <a:schemeClr val="accent1">
+                <a:shade val="15000"/>
+              </a:schemeClr>
+            </a:lnRef>
+            <a:fillRef idx="1">
+              <a:schemeClr val="accent1"/>
+            </a:fillRef>
+            <a:effectRef idx="0">
+              <a:schemeClr val="accent1"/>
+            </a:effectRef>
+            <a:fontRef idx="minor">
+              <a:schemeClr val="lt1"/>
+            </a:fontRef>
+          </p:style>
+          <p:txBody>
+            <a:bodyPr rtlCol="0" anchor="ctr"/>
+            <a:lstStyle/>
+            <a:p>
+              <a:pPr algn="ctr"/>
+              <a:endParaRPr lang="en-US"/>
+            </a:p>
+          </p:txBody>
+        </p:sp>
+        <p:sp>
+          <p:nvSpPr>
+            <p:cNvPr id="18" name="TextBox 17">
+              <a:extLst>
+                <a:ext uri="{FF2B5EF4-FFF2-40B4-BE49-F238E27FC236}">
+                  <a16:creationId xmlns:a16="http://schemas.microsoft.com/office/drawing/2014/main" id="{7F99907F-CAEC-4AC3-FB8D-48E3BA13D5A9}"/>
+                </a:ext>
+              </a:extLst>
+            </p:cNvPr>
+            <p:cNvSpPr txBox="1"/>
+            <p:nvPr/>
+          </p:nvSpPr>
+          <p:spPr>
+            <a:xfrm>
+              <a:off x="2110072" y="2295521"/>
+              <a:ext cx="4572000" cy="410618"/>
+            </a:xfrm>
+            <a:prstGeom prst="rect">
+              <a:avLst/>
+            </a:prstGeom>
+            <a:noFill/>
+          </p:spPr>
+          <p:txBody>
+            <a:bodyPr wrap="square">
+              <a:spAutoFit/>
+            </a:bodyPr>
+            <a:lstStyle/>
+            <a:p>
+              <a:pPr algn="ctr"/>
+              <a:r>
+                <a:rPr lang="en-US" sz="1200" dirty="0">
+                  <a:solidFill>
+                    <a:srgbClr val="AFC8D3"/>
+                  </a:solidFill>
+                  <a:latin typeface="Menlo" panose="020B0609030804020204" pitchFamily="49" charset="0"/>
+                  <a:ea typeface="Menlo" panose="020B0609030804020204" pitchFamily="49" charset="0"/>
+                  <a:cs typeface="Menlo" panose="020B0609030804020204" pitchFamily="49" charset="0"/>
+                </a:rPr>
+                <a:t>align-content</a:t>
+              </a:r>
+              <a:r>
+                <a:rPr lang="en-US" sz="1200" dirty="0">
+                  <a:solidFill>
+                    <a:srgbClr val="89DEFF"/>
+                  </a:solidFill>
+                  <a:latin typeface="Menlo" panose="020B0609030804020204" pitchFamily="49" charset="0"/>
+                  <a:ea typeface="Menlo" panose="020B0609030804020204" pitchFamily="49" charset="0"/>
+                  <a:cs typeface="Menlo" panose="020B0609030804020204" pitchFamily="49" charset="0"/>
+                </a:rPr>
+                <a:t>:</a:t>
+              </a:r>
+              <a:r>
+                <a:rPr lang="en-US" sz="1200" dirty="0">
+                  <a:solidFill>
+                    <a:schemeClr val="bg1"/>
+                  </a:solidFill>
+                  <a:latin typeface="Menlo" panose="020B0609030804020204" pitchFamily="49" charset="0"/>
+                  <a:ea typeface="Menlo" panose="020B0609030804020204" pitchFamily="49" charset="0"/>
+                  <a:cs typeface="Menlo" panose="020B0609030804020204" pitchFamily="49" charset="0"/>
+                </a:rPr>
+                <a:t> </a:t>
+              </a:r>
+              <a:r>
+                <a:rPr lang="en-US" sz="1200" dirty="0">
+                  <a:solidFill>
+                    <a:srgbClr val="EFFFFF"/>
+                  </a:solidFill>
+                  <a:latin typeface="Menlo" panose="020B0609030804020204" pitchFamily="49" charset="0"/>
+                  <a:ea typeface="Menlo" panose="020B0609030804020204" pitchFamily="49" charset="0"/>
+                  <a:cs typeface="Menlo" panose="020B0609030804020204" pitchFamily="49" charset="0"/>
+                </a:rPr>
+                <a:t>space-between</a:t>
+              </a:r>
+              <a:r>
+                <a:rPr lang="en-US" sz="1200" dirty="0">
+                  <a:solidFill>
+                    <a:srgbClr val="89DEFF"/>
+                  </a:solidFill>
+                  <a:latin typeface="Menlo" panose="020B0609030804020204" pitchFamily="49" charset="0"/>
+                  <a:ea typeface="Menlo" panose="020B0609030804020204" pitchFamily="49" charset="0"/>
+                  <a:cs typeface="Menlo" panose="020B0609030804020204" pitchFamily="49" charset="0"/>
+                </a:rPr>
+                <a:t>;</a:t>
+              </a:r>
+            </a:p>
+          </p:txBody>
+        </p:sp>
+        <p:sp>
+          <p:nvSpPr>
+            <p:cNvPr id="19" name="Oval 18">
+              <a:extLst>
+                <a:ext uri="{FF2B5EF4-FFF2-40B4-BE49-F238E27FC236}">
+                  <a16:creationId xmlns:a16="http://schemas.microsoft.com/office/drawing/2014/main" id="{4D91BFDC-EB04-409E-3A90-70C3640F7B25}"/>
+                </a:ext>
+              </a:extLst>
+            </p:cNvPr>
+            <p:cNvSpPr/>
+            <p:nvPr/>
+          </p:nvSpPr>
+          <p:spPr>
+            <a:xfrm>
+              <a:off x="2556688" y="2065599"/>
+              <a:ext cx="133878" cy="133878"/>
+            </a:xfrm>
+            <a:prstGeom prst="ellipse">
+              <a:avLst/>
+            </a:prstGeom>
+            <a:solidFill>
+              <a:srgbClr val="FFD60A"/>
+            </a:solidFill>
+            <a:ln>
+              <a:noFill/>
+            </a:ln>
+          </p:spPr>
+          <p:style>
+            <a:lnRef idx="2">
+              <a:schemeClr val="accent1">
+                <a:shade val="15000"/>
+              </a:schemeClr>
+            </a:lnRef>
+            <a:fillRef idx="1">
+              <a:schemeClr val="accent1"/>
+            </a:fillRef>
+            <a:effectRef idx="0">
+              <a:schemeClr val="accent1"/>
+            </a:effectRef>
+            <a:fontRef idx="minor">
+              <a:schemeClr val="lt1"/>
+            </a:fontRef>
+          </p:style>
+          <p:txBody>
+            <a:bodyPr rtlCol="0" anchor="ctr"/>
+            <a:lstStyle/>
+            <a:p>
+              <a:pPr algn="ctr"/>
+              <a:endParaRPr lang="en-US"/>
+            </a:p>
+          </p:txBody>
+        </p:sp>
+      </p:grpSp>
+      <p:grpSp>
+        <p:nvGrpSpPr>
+          <p:cNvPr id="20" name="Group 19">
+            <a:extLst>
+              <a:ext uri="{FF2B5EF4-FFF2-40B4-BE49-F238E27FC236}">
+                <a16:creationId xmlns:a16="http://schemas.microsoft.com/office/drawing/2014/main" id="{F23F76BA-470D-26B4-2270-2AA967E7BB89}"/>
+              </a:ext>
+            </a:extLst>
+          </p:cNvPr>
+          <p:cNvGrpSpPr/>
+          <p:nvPr/>
+        </p:nvGrpSpPr>
+        <p:grpSpPr>
+          <a:xfrm>
+            <a:off x="9281478" y="7172274"/>
+            <a:ext cx="3084228" cy="607557"/>
+            <a:chOff x="2110072" y="1918769"/>
+            <a:chExt cx="4572000" cy="900631"/>
+          </a:xfrm>
+        </p:grpSpPr>
+        <p:sp>
+          <p:nvSpPr>
+            <p:cNvPr id="21" name="Rounded Rectangle 20">
+              <a:extLst>
+                <a:ext uri="{FF2B5EF4-FFF2-40B4-BE49-F238E27FC236}">
+                  <a16:creationId xmlns:a16="http://schemas.microsoft.com/office/drawing/2014/main" id="{92BD93B0-4205-24DA-D053-0541EF58BC8A}"/>
+                </a:ext>
+              </a:extLst>
+            </p:cNvPr>
+            <p:cNvSpPr/>
+            <p:nvPr/>
+          </p:nvSpPr>
+          <p:spPr>
+            <a:xfrm>
+              <a:off x="2110072" y="1918769"/>
+              <a:ext cx="4572000" cy="900631"/>
+            </a:xfrm>
+            <a:prstGeom prst="roundRect">
+              <a:avLst>
+                <a:gd name="adj" fmla="val 11911"/>
+              </a:avLst>
+            </a:prstGeom>
+            <a:solidFill>
+              <a:srgbClr val="212121"/>
+            </a:solidFill>
+          </p:spPr>
+          <p:style>
+            <a:lnRef idx="2">
+              <a:schemeClr val="accent1">
+                <a:shade val="15000"/>
+              </a:schemeClr>
+            </a:lnRef>
+            <a:fillRef idx="1">
+              <a:schemeClr val="accent1"/>
+            </a:fillRef>
+            <a:effectRef idx="0">
+              <a:schemeClr val="accent1"/>
+            </a:effectRef>
+            <a:fontRef idx="minor">
+              <a:schemeClr val="lt1"/>
+            </a:fontRef>
+          </p:style>
+          <p:txBody>
+            <a:bodyPr rtlCol="0" anchor="ctr"/>
+            <a:lstStyle/>
+            <a:p>
+              <a:pPr algn="ctr"/>
+              <a:endParaRPr lang="en-US" dirty="0">
+                <a:solidFill>
+                  <a:srgbClr val="89DEFF"/>
+                </a:solidFill>
+                <a:latin typeface="Menlo" panose="020B0609030804020204" pitchFamily="49" charset="0"/>
+                <a:ea typeface="Menlo" panose="020B0609030804020204" pitchFamily="49" charset="0"/>
+                <a:cs typeface="Menlo" panose="020B0609030804020204" pitchFamily="49" charset="0"/>
+              </a:endParaRPr>
+            </a:p>
+          </p:txBody>
+        </p:sp>
+        <p:sp>
+          <p:nvSpPr>
+            <p:cNvPr id="22" name="Oval 21">
+              <a:extLst>
+                <a:ext uri="{FF2B5EF4-FFF2-40B4-BE49-F238E27FC236}">
+                  <a16:creationId xmlns:a16="http://schemas.microsoft.com/office/drawing/2014/main" id="{49FD1F7B-9F40-CFC3-5A65-A4D382DE488D}"/>
+                </a:ext>
+              </a:extLst>
+            </p:cNvPr>
+            <p:cNvSpPr/>
+            <p:nvPr/>
+          </p:nvSpPr>
+          <p:spPr>
+            <a:xfrm>
+              <a:off x="2304999" y="2065600"/>
+              <a:ext cx="133878" cy="133878"/>
+            </a:xfrm>
+            <a:prstGeom prst="ellipse">
+              <a:avLst/>
+            </a:prstGeom>
+            <a:solidFill>
+              <a:srgbClr val="FF453A"/>
+            </a:solidFill>
+            <a:ln>
+              <a:noFill/>
+            </a:ln>
+          </p:spPr>
+          <p:style>
+            <a:lnRef idx="2">
+              <a:schemeClr val="accent1">
+                <a:shade val="15000"/>
+              </a:schemeClr>
+            </a:lnRef>
+            <a:fillRef idx="1">
+              <a:schemeClr val="accent1"/>
+            </a:fillRef>
+            <a:effectRef idx="0">
+              <a:schemeClr val="accent1"/>
+            </a:effectRef>
+            <a:fontRef idx="minor">
+              <a:schemeClr val="lt1"/>
+            </a:fontRef>
+          </p:style>
+          <p:txBody>
+            <a:bodyPr rtlCol="0" anchor="ctr"/>
+            <a:lstStyle/>
+            <a:p>
+              <a:pPr algn="ctr"/>
+              <a:endParaRPr lang="en-US"/>
+            </a:p>
+          </p:txBody>
+        </p:sp>
+        <p:sp>
+          <p:nvSpPr>
+            <p:cNvPr id="23" name="Oval 22">
+              <a:extLst>
+                <a:ext uri="{FF2B5EF4-FFF2-40B4-BE49-F238E27FC236}">
+                  <a16:creationId xmlns:a16="http://schemas.microsoft.com/office/drawing/2014/main" id="{0D075990-8D10-6427-A2A9-B50484D641BD}"/>
+                </a:ext>
+              </a:extLst>
+            </p:cNvPr>
+            <p:cNvSpPr/>
+            <p:nvPr/>
+          </p:nvSpPr>
+          <p:spPr>
+            <a:xfrm>
+              <a:off x="2808377" y="2065599"/>
+              <a:ext cx="133878" cy="133878"/>
+            </a:xfrm>
+            <a:prstGeom prst="ellipse">
+              <a:avLst/>
+            </a:prstGeom>
+            <a:solidFill>
+              <a:srgbClr val="32D74B"/>
+            </a:solidFill>
+            <a:ln>
+              <a:noFill/>
+            </a:ln>
+          </p:spPr>
+          <p:style>
+            <a:lnRef idx="2">
+              <a:schemeClr val="accent1">
+                <a:shade val="15000"/>
+              </a:schemeClr>
+            </a:lnRef>
+            <a:fillRef idx="1">
+              <a:schemeClr val="accent1"/>
+            </a:fillRef>
+            <a:effectRef idx="0">
+              <a:schemeClr val="accent1"/>
+            </a:effectRef>
+            <a:fontRef idx="minor">
+              <a:schemeClr val="lt1"/>
+            </a:fontRef>
+          </p:style>
+          <p:txBody>
+            <a:bodyPr rtlCol="0" anchor="ctr"/>
+            <a:lstStyle/>
+            <a:p>
+              <a:pPr algn="ctr"/>
+              <a:endParaRPr lang="en-US"/>
+            </a:p>
+          </p:txBody>
+        </p:sp>
+        <p:sp>
+          <p:nvSpPr>
+            <p:cNvPr id="24" name="TextBox 23">
+              <a:extLst>
+                <a:ext uri="{FF2B5EF4-FFF2-40B4-BE49-F238E27FC236}">
+                  <a16:creationId xmlns:a16="http://schemas.microsoft.com/office/drawing/2014/main" id="{0B290ACC-B162-2704-1557-B3F509619DEA}"/>
+                </a:ext>
+              </a:extLst>
+            </p:cNvPr>
+            <p:cNvSpPr txBox="1"/>
+            <p:nvPr/>
+          </p:nvSpPr>
+          <p:spPr>
+            <a:xfrm>
+              <a:off x="2110072" y="2295521"/>
+              <a:ext cx="4572000" cy="410618"/>
+            </a:xfrm>
+            <a:prstGeom prst="rect">
+              <a:avLst/>
+            </a:prstGeom>
+            <a:noFill/>
+          </p:spPr>
+          <p:txBody>
+            <a:bodyPr wrap="square">
+              <a:spAutoFit/>
+            </a:bodyPr>
+            <a:lstStyle/>
+            <a:p>
+              <a:pPr algn="ctr"/>
+              <a:r>
+                <a:rPr lang="en-US" sz="1200" dirty="0">
+                  <a:solidFill>
+                    <a:srgbClr val="AFC8D3"/>
+                  </a:solidFill>
+                  <a:latin typeface="Menlo" panose="020B0609030804020204" pitchFamily="49" charset="0"/>
+                  <a:ea typeface="Menlo" panose="020B0609030804020204" pitchFamily="49" charset="0"/>
+                  <a:cs typeface="Menlo" panose="020B0609030804020204" pitchFamily="49" charset="0"/>
+                </a:rPr>
+                <a:t>align-content</a:t>
+              </a:r>
+              <a:r>
+                <a:rPr lang="en-US" sz="1200" dirty="0">
+                  <a:solidFill>
+                    <a:srgbClr val="89DEFF"/>
+                  </a:solidFill>
+                  <a:latin typeface="Menlo" panose="020B0609030804020204" pitchFamily="49" charset="0"/>
+                  <a:ea typeface="Menlo" panose="020B0609030804020204" pitchFamily="49" charset="0"/>
+                  <a:cs typeface="Menlo" panose="020B0609030804020204" pitchFamily="49" charset="0"/>
+                </a:rPr>
+                <a:t>:</a:t>
+              </a:r>
+              <a:r>
+                <a:rPr lang="en-US" sz="1200" dirty="0">
+                  <a:solidFill>
+                    <a:schemeClr val="bg1"/>
+                  </a:solidFill>
+                  <a:latin typeface="Menlo" panose="020B0609030804020204" pitchFamily="49" charset="0"/>
+                  <a:ea typeface="Menlo" panose="020B0609030804020204" pitchFamily="49" charset="0"/>
+                  <a:cs typeface="Menlo" panose="020B0609030804020204" pitchFamily="49" charset="0"/>
+                </a:rPr>
+                <a:t> </a:t>
+              </a:r>
+              <a:r>
+                <a:rPr lang="en-US" sz="1200" dirty="0">
+                  <a:solidFill>
+                    <a:srgbClr val="EFFFFF"/>
+                  </a:solidFill>
+                  <a:latin typeface="Menlo" panose="020B0609030804020204" pitchFamily="49" charset="0"/>
+                  <a:ea typeface="Menlo" panose="020B0609030804020204" pitchFamily="49" charset="0"/>
+                  <a:cs typeface="Menlo" panose="020B0609030804020204" pitchFamily="49" charset="0"/>
+                </a:rPr>
+                <a:t>flex-end</a:t>
+              </a:r>
+              <a:r>
+                <a:rPr lang="en-US" sz="1200" dirty="0">
+                  <a:solidFill>
+                    <a:srgbClr val="89DEFF"/>
+                  </a:solidFill>
+                  <a:latin typeface="Menlo" panose="020B0609030804020204" pitchFamily="49" charset="0"/>
+                  <a:ea typeface="Menlo" panose="020B0609030804020204" pitchFamily="49" charset="0"/>
+                  <a:cs typeface="Menlo" panose="020B0609030804020204" pitchFamily="49" charset="0"/>
+                </a:rPr>
+                <a:t>;</a:t>
+              </a:r>
+            </a:p>
+          </p:txBody>
+        </p:sp>
+        <p:sp>
+          <p:nvSpPr>
+            <p:cNvPr id="25" name="Oval 24">
+              <a:extLst>
+                <a:ext uri="{FF2B5EF4-FFF2-40B4-BE49-F238E27FC236}">
+                  <a16:creationId xmlns:a16="http://schemas.microsoft.com/office/drawing/2014/main" id="{755020DF-8384-31AE-53B4-948C9CB5B1BC}"/>
+                </a:ext>
+              </a:extLst>
+            </p:cNvPr>
+            <p:cNvSpPr/>
+            <p:nvPr/>
+          </p:nvSpPr>
+          <p:spPr>
+            <a:xfrm>
+              <a:off x="2556688" y="2065599"/>
+              <a:ext cx="133878" cy="133878"/>
+            </a:xfrm>
+            <a:prstGeom prst="ellipse">
+              <a:avLst/>
+            </a:prstGeom>
+            <a:solidFill>
+              <a:srgbClr val="FFD60A"/>
+            </a:solidFill>
+            <a:ln>
+              <a:noFill/>
+            </a:ln>
+          </p:spPr>
+          <p:style>
+            <a:lnRef idx="2">
+              <a:schemeClr val="accent1">
+                <a:shade val="15000"/>
+              </a:schemeClr>
+            </a:lnRef>
+            <a:fillRef idx="1">
+              <a:schemeClr val="accent1"/>
+            </a:fillRef>
+            <a:effectRef idx="0">
+              <a:schemeClr val="accent1"/>
+            </a:effectRef>
+            <a:fontRef idx="minor">
+              <a:schemeClr val="lt1"/>
+            </a:fontRef>
+          </p:style>
+          <p:txBody>
+            <a:bodyPr rtlCol="0" anchor="ctr"/>
+            <a:lstStyle/>
+            <a:p>
+              <a:pPr algn="ctr"/>
+              <a:endParaRPr lang="en-US"/>
+            </a:p>
+          </p:txBody>
+        </p:sp>
+      </p:grpSp>
+      <p:grpSp>
+        <p:nvGrpSpPr>
+          <p:cNvPr id="26" name="Group 25">
+            <a:extLst>
+              <a:ext uri="{FF2B5EF4-FFF2-40B4-BE49-F238E27FC236}">
+                <a16:creationId xmlns:a16="http://schemas.microsoft.com/office/drawing/2014/main" id="{522AC32E-3665-DFFB-EB9A-2A00B888386C}"/>
+              </a:ext>
+            </a:extLst>
+          </p:cNvPr>
+          <p:cNvGrpSpPr/>
+          <p:nvPr/>
+        </p:nvGrpSpPr>
+        <p:grpSpPr>
+          <a:xfrm>
+            <a:off x="8727890" y="5644368"/>
+            <a:ext cx="3084228" cy="607557"/>
+            <a:chOff x="2110072" y="1918769"/>
+            <a:chExt cx="4572000" cy="900631"/>
+          </a:xfrm>
+        </p:grpSpPr>
+        <p:sp>
+          <p:nvSpPr>
+            <p:cNvPr id="27" name="Rounded Rectangle 26">
+              <a:extLst>
+                <a:ext uri="{FF2B5EF4-FFF2-40B4-BE49-F238E27FC236}">
+                  <a16:creationId xmlns:a16="http://schemas.microsoft.com/office/drawing/2014/main" id="{41561E8F-336B-2E18-C4EE-83D494108EA5}"/>
+                </a:ext>
+              </a:extLst>
+            </p:cNvPr>
+            <p:cNvSpPr/>
+            <p:nvPr/>
+          </p:nvSpPr>
+          <p:spPr>
+            <a:xfrm>
+              <a:off x="2110072" y="1918769"/>
+              <a:ext cx="4572000" cy="900631"/>
+            </a:xfrm>
+            <a:prstGeom prst="roundRect">
+              <a:avLst>
+                <a:gd name="adj" fmla="val 11911"/>
+              </a:avLst>
+            </a:prstGeom>
+            <a:solidFill>
+              <a:srgbClr val="212121"/>
+            </a:solidFill>
+          </p:spPr>
+          <p:style>
+            <a:lnRef idx="2">
+              <a:schemeClr val="accent1">
+                <a:shade val="15000"/>
+              </a:schemeClr>
+            </a:lnRef>
+            <a:fillRef idx="1">
+              <a:schemeClr val="accent1"/>
+            </a:fillRef>
+            <a:effectRef idx="0">
+              <a:schemeClr val="accent1"/>
+            </a:effectRef>
+            <a:fontRef idx="minor">
+              <a:schemeClr val="lt1"/>
+            </a:fontRef>
+          </p:style>
+          <p:txBody>
+            <a:bodyPr rtlCol="0" anchor="ctr"/>
+            <a:lstStyle/>
+            <a:p>
+              <a:pPr algn="ctr"/>
+              <a:endParaRPr lang="en-US" dirty="0">
+                <a:solidFill>
+                  <a:srgbClr val="89DEFF"/>
+                </a:solidFill>
+                <a:latin typeface="Menlo" panose="020B0609030804020204" pitchFamily="49" charset="0"/>
+                <a:ea typeface="Menlo" panose="020B0609030804020204" pitchFamily="49" charset="0"/>
+                <a:cs typeface="Menlo" panose="020B0609030804020204" pitchFamily="49" charset="0"/>
+              </a:endParaRPr>
+            </a:p>
+          </p:txBody>
+        </p:sp>
+        <p:sp>
+          <p:nvSpPr>
+            <p:cNvPr id="28" name="Oval 27">
+              <a:extLst>
+                <a:ext uri="{FF2B5EF4-FFF2-40B4-BE49-F238E27FC236}">
+                  <a16:creationId xmlns:a16="http://schemas.microsoft.com/office/drawing/2014/main" id="{66ED3B79-435E-1735-D7FD-3391531348CD}"/>
+                </a:ext>
+              </a:extLst>
+            </p:cNvPr>
+            <p:cNvSpPr/>
+            <p:nvPr/>
+          </p:nvSpPr>
+          <p:spPr>
+            <a:xfrm>
+              <a:off x="2304999" y="2065600"/>
+              <a:ext cx="133878" cy="133878"/>
+            </a:xfrm>
+            <a:prstGeom prst="ellipse">
+              <a:avLst/>
+            </a:prstGeom>
+            <a:solidFill>
+              <a:srgbClr val="FF453A"/>
+            </a:solidFill>
+            <a:ln>
+              <a:noFill/>
+            </a:ln>
+          </p:spPr>
+          <p:style>
+            <a:lnRef idx="2">
+              <a:schemeClr val="accent1">
+                <a:shade val="15000"/>
+              </a:schemeClr>
+            </a:lnRef>
+            <a:fillRef idx="1">
+              <a:schemeClr val="accent1"/>
+            </a:fillRef>
+            <a:effectRef idx="0">
+              <a:schemeClr val="accent1"/>
+            </a:effectRef>
+            <a:fontRef idx="minor">
+              <a:schemeClr val="lt1"/>
+            </a:fontRef>
+          </p:style>
+          <p:txBody>
+            <a:bodyPr rtlCol="0" anchor="ctr"/>
+            <a:lstStyle/>
+            <a:p>
+              <a:pPr algn="ctr"/>
+              <a:endParaRPr lang="en-US"/>
+            </a:p>
+          </p:txBody>
+        </p:sp>
+        <p:sp>
+          <p:nvSpPr>
+            <p:cNvPr id="29" name="Oval 28">
+              <a:extLst>
+                <a:ext uri="{FF2B5EF4-FFF2-40B4-BE49-F238E27FC236}">
+                  <a16:creationId xmlns:a16="http://schemas.microsoft.com/office/drawing/2014/main" id="{5EF46DCC-7BC3-97DF-10C4-005CADF358B3}"/>
+                </a:ext>
+              </a:extLst>
+            </p:cNvPr>
+            <p:cNvSpPr/>
+            <p:nvPr/>
+          </p:nvSpPr>
+          <p:spPr>
+            <a:xfrm>
+              <a:off x="2808377" y="2065599"/>
+              <a:ext cx="133878" cy="133878"/>
+            </a:xfrm>
+            <a:prstGeom prst="ellipse">
+              <a:avLst/>
+            </a:prstGeom>
+            <a:solidFill>
+              <a:srgbClr val="32D74B"/>
+            </a:solidFill>
+            <a:ln>
+              <a:noFill/>
+            </a:ln>
+          </p:spPr>
+          <p:style>
+            <a:lnRef idx="2">
+              <a:schemeClr val="accent1">
+                <a:shade val="15000"/>
+              </a:schemeClr>
+            </a:lnRef>
+            <a:fillRef idx="1">
+              <a:schemeClr val="accent1"/>
+            </a:fillRef>
+            <a:effectRef idx="0">
+              <a:schemeClr val="accent1"/>
+            </a:effectRef>
+            <a:fontRef idx="minor">
+              <a:schemeClr val="lt1"/>
+            </a:fontRef>
+          </p:style>
+          <p:txBody>
+            <a:bodyPr rtlCol="0" anchor="ctr"/>
+            <a:lstStyle/>
+            <a:p>
+              <a:pPr algn="ctr"/>
+              <a:endParaRPr lang="en-US"/>
+            </a:p>
+          </p:txBody>
+        </p:sp>
+        <p:sp>
+          <p:nvSpPr>
+            <p:cNvPr id="30" name="TextBox 29">
+              <a:extLst>
+                <a:ext uri="{FF2B5EF4-FFF2-40B4-BE49-F238E27FC236}">
+                  <a16:creationId xmlns:a16="http://schemas.microsoft.com/office/drawing/2014/main" id="{C1868679-FCD4-A3A4-32A4-6DE33AB11EDA}"/>
+                </a:ext>
+              </a:extLst>
+            </p:cNvPr>
+            <p:cNvSpPr txBox="1"/>
+            <p:nvPr/>
+          </p:nvSpPr>
+          <p:spPr>
+            <a:xfrm>
+              <a:off x="2110072" y="2295521"/>
+              <a:ext cx="4572000" cy="410618"/>
+            </a:xfrm>
+            <a:prstGeom prst="rect">
+              <a:avLst/>
+            </a:prstGeom>
+            <a:noFill/>
+          </p:spPr>
+          <p:txBody>
+            <a:bodyPr wrap="square">
+              <a:spAutoFit/>
+            </a:bodyPr>
+            <a:lstStyle/>
+            <a:p>
+              <a:pPr algn="ctr"/>
+              <a:r>
+                <a:rPr lang="en-US" sz="1200" dirty="0">
+                  <a:solidFill>
+                    <a:srgbClr val="AFC8D3"/>
+                  </a:solidFill>
+                  <a:latin typeface="Menlo" panose="020B0609030804020204" pitchFamily="49" charset="0"/>
+                  <a:ea typeface="Menlo" panose="020B0609030804020204" pitchFamily="49" charset="0"/>
+                  <a:cs typeface="Menlo" panose="020B0609030804020204" pitchFamily="49" charset="0"/>
+                </a:rPr>
+                <a:t>align-content</a:t>
+              </a:r>
+              <a:r>
+                <a:rPr lang="en-US" sz="1200" dirty="0">
+                  <a:solidFill>
+                    <a:srgbClr val="89DEFF"/>
+                  </a:solidFill>
+                  <a:latin typeface="Menlo" panose="020B0609030804020204" pitchFamily="49" charset="0"/>
+                  <a:ea typeface="Menlo" panose="020B0609030804020204" pitchFamily="49" charset="0"/>
+                  <a:cs typeface="Menlo" panose="020B0609030804020204" pitchFamily="49" charset="0"/>
+                </a:rPr>
+                <a:t>:</a:t>
+              </a:r>
+              <a:r>
+                <a:rPr lang="en-US" sz="1200" dirty="0">
+                  <a:solidFill>
+                    <a:schemeClr val="bg1"/>
+                  </a:solidFill>
+                  <a:latin typeface="Menlo" panose="020B0609030804020204" pitchFamily="49" charset="0"/>
+                  <a:ea typeface="Menlo" panose="020B0609030804020204" pitchFamily="49" charset="0"/>
+                  <a:cs typeface="Menlo" panose="020B0609030804020204" pitchFamily="49" charset="0"/>
+                </a:rPr>
+                <a:t> </a:t>
+              </a:r>
+              <a:r>
+                <a:rPr lang="en-US" sz="1200" dirty="0">
+                  <a:solidFill>
+                    <a:srgbClr val="EFFFFF"/>
+                  </a:solidFill>
+                  <a:latin typeface="Menlo" panose="020B0609030804020204" pitchFamily="49" charset="0"/>
+                  <a:ea typeface="Menlo" panose="020B0609030804020204" pitchFamily="49" charset="0"/>
+                  <a:cs typeface="Menlo" panose="020B0609030804020204" pitchFamily="49" charset="0"/>
+                </a:rPr>
+                <a:t>center</a:t>
+              </a:r>
+              <a:r>
+                <a:rPr lang="en-US" sz="1200" dirty="0">
+                  <a:solidFill>
+                    <a:srgbClr val="89DEFF"/>
+                  </a:solidFill>
+                  <a:latin typeface="Menlo" panose="020B0609030804020204" pitchFamily="49" charset="0"/>
+                  <a:ea typeface="Menlo" panose="020B0609030804020204" pitchFamily="49" charset="0"/>
+                  <a:cs typeface="Menlo" panose="020B0609030804020204" pitchFamily="49" charset="0"/>
+                </a:rPr>
+                <a:t>;</a:t>
+              </a:r>
+            </a:p>
+          </p:txBody>
+        </p:sp>
+        <p:sp>
+          <p:nvSpPr>
+            <p:cNvPr id="31" name="Oval 30">
+              <a:extLst>
+                <a:ext uri="{FF2B5EF4-FFF2-40B4-BE49-F238E27FC236}">
+                  <a16:creationId xmlns:a16="http://schemas.microsoft.com/office/drawing/2014/main" id="{64846EB4-EA57-8421-642E-641C7760F8B9}"/>
+                </a:ext>
+              </a:extLst>
+            </p:cNvPr>
+            <p:cNvSpPr/>
+            <p:nvPr/>
+          </p:nvSpPr>
+          <p:spPr>
+            <a:xfrm>
+              <a:off x="2556688" y="2065599"/>
+              <a:ext cx="133878" cy="133878"/>
+            </a:xfrm>
+            <a:prstGeom prst="ellipse">
+              <a:avLst/>
+            </a:prstGeom>
+            <a:solidFill>
+              <a:srgbClr val="FFD60A"/>
+            </a:solidFill>
+            <a:ln>
+              <a:noFill/>
+            </a:ln>
+          </p:spPr>
+          <p:style>
+            <a:lnRef idx="2">
+              <a:schemeClr val="accent1">
+                <a:shade val="15000"/>
+              </a:schemeClr>
+            </a:lnRef>
+            <a:fillRef idx="1">
+              <a:schemeClr val="accent1"/>
+            </a:fillRef>
+            <a:effectRef idx="0">
+              <a:schemeClr val="accent1"/>
+            </a:effectRef>
+            <a:fontRef idx="minor">
+              <a:schemeClr val="lt1"/>
+            </a:fontRef>
+          </p:style>
+          <p:txBody>
+            <a:bodyPr rtlCol="0" anchor="ctr"/>
+            <a:lstStyle/>
+            <a:p>
+              <a:pPr algn="ctr"/>
+              <a:endParaRPr lang="en-US"/>
+            </a:p>
+          </p:txBody>
+        </p:sp>
+      </p:grpSp>
+      <p:grpSp>
+        <p:nvGrpSpPr>
+          <p:cNvPr id="32" name="Group 31">
+            <a:extLst>
+              <a:ext uri="{FF2B5EF4-FFF2-40B4-BE49-F238E27FC236}">
+                <a16:creationId xmlns:a16="http://schemas.microsoft.com/office/drawing/2014/main" id="{E08FD6D0-CDE3-DA5F-AC46-BA34B0DCE359}"/>
+              </a:ext>
+            </a:extLst>
+          </p:cNvPr>
+          <p:cNvGrpSpPr/>
+          <p:nvPr/>
+        </p:nvGrpSpPr>
+        <p:grpSpPr>
+          <a:xfrm>
+            <a:off x="8084279" y="1715951"/>
+            <a:ext cx="3084228" cy="607557"/>
+            <a:chOff x="2110072" y="1918769"/>
+            <a:chExt cx="4572000" cy="900631"/>
+          </a:xfrm>
+        </p:grpSpPr>
+        <p:sp>
+          <p:nvSpPr>
+            <p:cNvPr id="33" name="Rounded Rectangle 32">
+              <a:extLst>
+                <a:ext uri="{FF2B5EF4-FFF2-40B4-BE49-F238E27FC236}">
+                  <a16:creationId xmlns:a16="http://schemas.microsoft.com/office/drawing/2014/main" id="{F70F15C6-0D49-4CC5-3DCE-EBDF832E445E}"/>
+                </a:ext>
+              </a:extLst>
+            </p:cNvPr>
+            <p:cNvSpPr/>
+            <p:nvPr/>
+          </p:nvSpPr>
+          <p:spPr>
+            <a:xfrm>
+              <a:off x="2110072" y="1918769"/>
+              <a:ext cx="4572000" cy="900631"/>
+            </a:xfrm>
+            <a:prstGeom prst="roundRect">
+              <a:avLst>
+                <a:gd name="adj" fmla="val 11911"/>
+              </a:avLst>
+            </a:prstGeom>
+            <a:solidFill>
+              <a:srgbClr val="212121"/>
+            </a:solidFill>
+          </p:spPr>
+          <p:style>
+            <a:lnRef idx="2">
+              <a:schemeClr val="accent1">
+                <a:shade val="15000"/>
+              </a:schemeClr>
+            </a:lnRef>
+            <a:fillRef idx="1">
+              <a:schemeClr val="accent1"/>
+            </a:fillRef>
+            <a:effectRef idx="0">
+              <a:schemeClr val="accent1"/>
+            </a:effectRef>
+            <a:fontRef idx="minor">
+              <a:schemeClr val="lt1"/>
+            </a:fontRef>
+          </p:style>
+          <p:txBody>
+            <a:bodyPr rtlCol="0" anchor="ctr"/>
+            <a:lstStyle/>
+            <a:p>
+              <a:pPr algn="ctr"/>
+              <a:endParaRPr lang="en-US" dirty="0">
+                <a:solidFill>
+                  <a:srgbClr val="89DEFF"/>
+                </a:solidFill>
+                <a:latin typeface="Menlo" panose="020B0609030804020204" pitchFamily="49" charset="0"/>
+                <a:ea typeface="Menlo" panose="020B0609030804020204" pitchFamily="49" charset="0"/>
+                <a:cs typeface="Menlo" panose="020B0609030804020204" pitchFamily="49" charset="0"/>
+              </a:endParaRPr>
+            </a:p>
+          </p:txBody>
+        </p:sp>
+        <p:sp>
+          <p:nvSpPr>
+            <p:cNvPr id="34" name="Oval 33">
+              <a:extLst>
+                <a:ext uri="{FF2B5EF4-FFF2-40B4-BE49-F238E27FC236}">
+                  <a16:creationId xmlns:a16="http://schemas.microsoft.com/office/drawing/2014/main" id="{56ACDC91-884D-B9D8-B898-51E75434EED8}"/>
+                </a:ext>
+              </a:extLst>
+            </p:cNvPr>
+            <p:cNvSpPr/>
+            <p:nvPr/>
+          </p:nvSpPr>
+          <p:spPr>
+            <a:xfrm>
+              <a:off x="2304999" y="2065600"/>
+              <a:ext cx="133878" cy="133878"/>
+            </a:xfrm>
+            <a:prstGeom prst="ellipse">
+              <a:avLst/>
+            </a:prstGeom>
+            <a:solidFill>
+              <a:srgbClr val="FF453A"/>
+            </a:solidFill>
+            <a:ln>
+              <a:noFill/>
+            </a:ln>
+          </p:spPr>
+          <p:style>
+            <a:lnRef idx="2">
+              <a:schemeClr val="accent1">
+                <a:shade val="15000"/>
+              </a:schemeClr>
+            </a:lnRef>
+            <a:fillRef idx="1">
+              <a:schemeClr val="accent1"/>
+            </a:fillRef>
+            <a:effectRef idx="0">
+              <a:schemeClr val="accent1"/>
+            </a:effectRef>
+            <a:fontRef idx="minor">
+              <a:schemeClr val="lt1"/>
+            </a:fontRef>
+          </p:style>
+          <p:txBody>
+            <a:bodyPr rtlCol="0" anchor="ctr"/>
+            <a:lstStyle/>
+            <a:p>
+              <a:pPr algn="ctr"/>
+              <a:endParaRPr lang="en-US"/>
+            </a:p>
+          </p:txBody>
+        </p:sp>
+        <p:sp>
+          <p:nvSpPr>
+            <p:cNvPr id="35" name="Oval 34">
+              <a:extLst>
+                <a:ext uri="{FF2B5EF4-FFF2-40B4-BE49-F238E27FC236}">
+                  <a16:creationId xmlns:a16="http://schemas.microsoft.com/office/drawing/2014/main" id="{3721B010-3ACA-C16D-E4FA-A2E41B34DB08}"/>
+                </a:ext>
+              </a:extLst>
+            </p:cNvPr>
+            <p:cNvSpPr/>
+            <p:nvPr/>
+          </p:nvSpPr>
+          <p:spPr>
+            <a:xfrm>
+              <a:off x="2808377" y="2065599"/>
+              <a:ext cx="133878" cy="133878"/>
+            </a:xfrm>
+            <a:prstGeom prst="ellipse">
+              <a:avLst/>
+            </a:prstGeom>
+            <a:solidFill>
+              <a:srgbClr val="32D74B"/>
+            </a:solidFill>
+            <a:ln>
+              <a:noFill/>
+            </a:ln>
+          </p:spPr>
+          <p:style>
+            <a:lnRef idx="2">
+              <a:schemeClr val="accent1">
+                <a:shade val="15000"/>
+              </a:schemeClr>
+            </a:lnRef>
+            <a:fillRef idx="1">
+              <a:schemeClr val="accent1"/>
+            </a:fillRef>
+            <a:effectRef idx="0">
+              <a:schemeClr val="accent1"/>
+            </a:effectRef>
+            <a:fontRef idx="minor">
+              <a:schemeClr val="lt1"/>
+            </a:fontRef>
+          </p:style>
+          <p:txBody>
+            <a:bodyPr rtlCol="0" anchor="ctr"/>
+            <a:lstStyle/>
+            <a:p>
+              <a:pPr algn="ctr"/>
+              <a:endParaRPr lang="en-US"/>
+            </a:p>
+          </p:txBody>
+        </p:sp>
+        <p:sp>
+          <p:nvSpPr>
+            <p:cNvPr id="36" name="TextBox 35">
+              <a:extLst>
+                <a:ext uri="{FF2B5EF4-FFF2-40B4-BE49-F238E27FC236}">
+                  <a16:creationId xmlns:a16="http://schemas.microsoft.com/office/drawing/2014/main" id="{9EA52777-7B0F-D2F0-FCCC-A8C8119DB246}"/>
+                </a:ext>
+              </a:extLst>
+            </p:cNvPr>
+            <p:cNvSpPr txBox="1"/>
+            <p:nvPr/>
+          </p:nvSpPr>
+          <p:spPr>
+            <a:xfrm>
+              <a:off x="2110072" y="2295521"/>
+              <a:ext cx="4572000" cy="410618"/>
+            </a:xfrm>
+            <a:prstGeom prst="rect">
+              <a:avLst/>
+            </a:prstGeom>
+            <a:noFill/>
+          </p:spPr>
+          <p:txBody>
+            <a:bodyPr wrap="square">
+              <a:spAutoFit/>
+            </a:bodyPr>
+            <a:lstStyle/>
+            <a:p>
+              <a:pPr algn="ctr"/>
+              <a:r>
+                <a:rPr lang="en-US" sz="1200" dirty="0">
+                  <a:solidFill>
+                    <a:srgbClr val="AFC8D3"/>
+                  </a:solidFill>
+                  <a:latin typeface="Menlo" panose="020B0609030804020204" pitchFamily="49" charset="0"/>
+                  <a:ea typeface="Menlo" panose="020B0609030804020204" pitchFamily="49" charset="0"/>
+                  <a:cs typeface="Menlo" panose="020B0609030804020204" pitchFamily="49" charset="0"/>
+                </a:rPr>
+                <a:t>align-content</a:t>
+              </a:r>
+              <a:r>
+                <a:rPr lang="en-US" sz="1200" dirty="0">
+                  <a:solidFill>
+                    <a:srgbClr val="89DEFF"/>
+                  </a:solidFill>
+                  <a:latin typeface="Menlo" panose="020B0609030804020204" pitchFamily="49" charset="0"/>
+                  <a:ea typeface="Menlo" panose="020B0609030804020204" pitchFamily="49" charset="0"/>
+                  <a:cs typeface="Menlo" panose="020B0609030804020204" pitchFamily="49" charset="0"/>
+                </a:rPr>
+                <a:t>:</a:t>
+              </a:r>
+              <a:r>
+                <a:rPr lang="en-US" sz="1200" dirty="0">
+                  <a:solidFill>
+                    <a:schemeClr val="bg1"/>
+                  </a:solidFill>
+                  <a:latin typeface="Menlo" panose="020B0609030804020204" pitchFamily="49" charset="0"/>
+                  <a:ea typeface="Menlo" panose="020B0609030804020204" pitchFamily="49" charset="0"/>
+                  <a:cs typeface="Menlo" panose="020B0609030804020204" pitchFamily="49" charset="0"/>
+                </a:rPr>
+                <a:t> </a:t>
+              </a:r>
+              <a:r>
+                <a:rPr lang="en-US" sz="1200" dirty="0">
+                  <a:solidFill>
+                    <a:srgbClr val="EFFFFF"/>
+                  </a:solidFill>
+                  <a:latin typeface="Menlo" panose="020B0609030804020204" pitchFamily="49" charset="0"/>
+                  <a:ea typeface="Menlo" panose="020B0609030804020204" pitchFamily="49" charset="0"/>
+                  <a:cs typeface="Menlo" panose="020B0609030804020204" pitchFamily="49" charset="0"/>
+                </a:rPr>
+                <a:t>flex-start</a:t>
+              </a:r>
+              <a:r>
+                <a:rPr lang="en-US" sz="1200" dirty="0">
+                  <a:solidFill>
+                    <a:srgbClr val="89DEFF"/>
+                  </a:solidFill>
+                  <a:latin typeface="Menlo" panose="020B0609030804020204" pitchFamily="49" charset="0"/>
+                  <a:ea typeface="Menlo" panose="020B0609030804020204" pitchFamily="49" charset="0"/>
+                  <a:cs typeface="Menlo" panose="020B0609030804020204" pitchFamily="49" charset="0"/>
+                </a:rPr>
+                <a:t>;</a:t>
+              </a:r>
+            </a:p>
+          </p:txBody>
+        </p:sp>
+        <p:sp>
+          <p:nvSpPr>
+            <p:cNvPr id="37" name="Oval 36">
+              <a:extLst>
+                <a:ext uri="{FF2B5EF4-FFF2-40B4-BE49-F238E27FC236}">
+                  <a16:creationId xmlns:a16="http://schemas.microsoft.com/office/drawing/2014/main" id="{406166D7-AA74-39DB-3378-F98F7404D8F7}"/>
                 </a:ext>
               </a:extLst>
             </p:cNvPr>
@@ -15822,7 +17638,7 @@
         <p:spPr>
           <a:xfrm>
             <a:off x="299241" y="3184773"/>
-            <a:ext cx="7334935" cy="1384995"/>
+            <a:ext cx="7334935" cy="1754326"/>
           </a:xfrm>
           <a:prstGeom prst="rect">
             <a:avLst/>
@@ -15847,14 +17663,26 @@
           <a:p>
             <a:r>
               <a:rPr lang="en-HK" sz="2400" dirty="0">
+                <a:latin typeface="Cadman" panose="020B0603020202020004" pitchFamily="34" charset="0"/>
+              </a:rPr>
+              <a:t>overrides a flex item’s </a:t>
+            </a:r>
+            <a:r>
+              <a:rPr lang="en-HK" sz="2400" dirty="0">
                 <a:latin typeface="Menlo" panose="020B0609030804020204" pitchFamily="49" charset="0"/>
                 <a:ea typeface="Menlo" panose="020B0609030804020204" pitchFamily="49" charset="0"/>
                 <a:cs typeface="Menlo" panose="020B0609030804020204" pitchFamily="49" charset="0"/>
               </a:rPr>
-              <a:t>definition</a:t>
+              <a:t>“align-items”</a:t>
+            </a:r>
+            <a:r>
+              <a:rPr lang="en-HK" sz="2400" dirty="0">
+                <a:latin typeface="Cadman" panose="020B0603020202020004" pitchFamily="34" charset="0"/>
+              </a:rPr>
+              <a:t> value, and aligns the item on the cross axis.</a:t>
             </a:r>
             <a:endParaRPr lang="en-US" sz="2400" b="1" dirty="0">
-              <a:latin typeface="Menlo" panose="020B0609030804020204" pitchFamily="49" charset="0"/>
+              <a:latin typeface="Cadman" panose="020B0603020202020004" pitchFamily="34" charset="0"/>
               <a:ea typeface="Menlo" panose="020B0609030804020204" pitchFamily="49" charset="0"/>
               <a:cs typeface="Menlo" panose="020B0609030804020204" pitchFamily="49" charset="0"/>
             </a:endParaRPr>
@@ -15875,7 +17703,7 @@
         </p:nvGrpSpPr>
         <p:grpSpPr>
           <a:xfrm>
-            <a:off x="7868093" y="4569768"/>
+            <a:off x="7868093" y="4939099"/>
             <a:ext cx="3084228" cy="607557"/>
             <a:chOff x="2110072" y="1918769"/>
             <a:chExt cx="4572000" cy="900631"/>
@@ -16114,7 +17942,7 @@
                   <a:ea typeface="Menlo" panose="020B0609030804020204" pitchFamily="49" charset="0"/>
                   <a:cs typeface="Menlo" panose="020B0609030804020204" pitchFamily="49" charset="0"/>
                 </a:rPr>
-                <a:t>wrap</a:t>
+                <a:t>flex-end</a:t>
               </a:r>
               <a:r>
                 <a:rPr lang="en-US" sz="1200" dirty="0">
@@ -16183,6 +18011,36 @@
           </p:txBody>
         </p:sp>
       </p:grpSp>
+      <p:pic>
+        <p:nvPicPr>
+          <p:cNvPr id="2" name="Picture 1">
+            <a:extLst>
+              <a:ext uri="{FF2B5EF4-FFF2-40B4-BE49-F238E27FC236}">
+                <a16:creationId xmlns:a16="http://schemas.microsoft.com/office/drawing/2014/main" id="{B6A283EB-AF30-11D3-D15A-522E4BA9441B}"/>
+              </a:ext>
+            </a:extLst>
+          </p:cNvPr>
+          <p:cNvPicPr>
+            <a:picLocks noChangeAspect="1"/>
+          </p:cNvPicPr>
+          <p:nvPr/>
+        </p:nvPicPr>
+        <p:blipFill>
+          <a:blip r:embed="rId2"/>
+          <a:stretch>
+            <a:fillRect/>
+          </a:stretch>
+        </p:blipFill>
+        <p:spPr>
+          <a:xfrm>
+            <a:off x="7314707" y="2948373"/>
+            <a:ext cx="4191000" cy="1460500"/>
+          </a:xfrm>
+          <a:prstGeom prst="rect">
+            <a:avLst/>
+          </a:prstGeom>
+        </p:spPr>
+      </p:pic>
     </p:spTree>
     <p:extLst>
       <p:ext uri="{BB962C8B-B14F-4D97-AF65-F5344CB8AC3E}">
